--- a/04_Presentations/01_Supervision_Meetings/01_Supervision_Meeting.pptx
+++ b/04_Presentations/01_Supervision_Meetings/01_Supervision_Meeting.pptx
@@ -4,10 +4,18 @@
   <p:sldMasterIdLst>
     <p:sldMasterId id="2147483648" r:id="rId1"/>
   </p:sldMasterIdLst>
+  <p:notesMasterIdLst>
+    <p:notesMasterId r:id="rId10"/>
+  </p:notesMasterIdLst>
   <p:sldIdLst>
     <p:sldId id="257" r:id="rId2"/>
     <p:sldId id="259" r:id="rId3"/>
-    <p:sldId id="260" r:id="rId4"/>
+    <p:sldId id="261" r:id="rId4"/>
+    <p:sldId id="260" r:id="rId5"/>
+    <p:sldId id="262" r:id="rId6"/>
+    <p:sldId id="264" r:id="rId7"/>
+    <p:sldId id="265" r:id="rId8"/>
+    <p:sldId id="263" r:id="rId9"/>
   </p:sldIdLst>
   <p:sldSz cx="12192000" cy="6858000"/>
   <p:notesSz cx="6858000" cy="9144000"/>
@@ -2210,7 +2218,7 @@
 <dgm:dataModel xmlns:dgm="http://schemas.openxmlformats.org/drawingml/2006/diagram" xmlns:a="http://schemas.openxmlformats.org/drawingml/2006/main">
   <dgm:ptLst>
     <dgm:pt modelId="{8A74D02E-4EAC-405E-9D11-CCDB3D22C45D}" type="doc">
-      <dgm:prSet loTypeId="urn:microsoft.com/office/officeart/2005/8/layout/vProcess5" loCatId="process" qsTypeId="urn:microsoft.com/office/officeart/2005/8/quickstyle/simple1" qsCatId="simple" csTypeId="urn:microsoft.com/office/officeart/2005/8/colors/colorful1" csCatId="colorful"/>
+      <dgm:prSet loTypeId="urn:microsoft.com/office/officeart/2005/8/layout/vProcess5" loCatId="process" qsTypeId="urn:microsoft.com/office/officeart/2005/8/quickstyle/simple1" qsCatId="simple" csTypeId="urn:microsoft.com/office/officeart/2005/8/colors/colorful1" csCatId="colorful" phldr="1"/>
       <dgm:spPr/>
       <dgm:t>
         <a:bodyPr/>
@@ -2347,18 +2355,18 @@
         <a:lstStyle/>
         <a:p>
           <a:r>
-            <a:rPr lang="en-US" b="0" i="0"/>
+            <a:rPr lang="en-US" b="0" i="0" dirty="0"/>
             <a:t>Presentation </a:t>
           </a:r>
           <a:r>
-            <a:rPr lang="en-US"/>
+            <a:rPr lang="en-US" dirty="0"/>
             <a:t>of the</a:t>
           </a:r>
           <a:r>
-            <a:rPr lang="en-US" b="0" i="0"/>
+            <a:rPr lang="en-US" b="0" i="0" dirty="0"/>
             <a:t> tentative time plan</a:t>
           </a:r>
-          <a:endParaRPr lang="en-US"/>
+          <a:endParaRPr lang="en-US" dirty="0"/>
         </a:p>
       </dgm:t>
     </dgm:pt>
@@ -2384,6 +2392,42 @@
         </a:p>
       </dgm:t>
     </dgm:pt>
+    <dgm:pt modelId="{917B1805-970E-40CF-892E-0FADC474E72F}">
+      <dgm:prSet/>
+      <dgm:spPr/>
+      <dgm:t>
+        <a:bodyPr/>
+        <a:lstStyle/>
+        <a:p>
+          <a:r>
+            <a:rPr lang="en-US" dirty="0"/>
+            <a:t>Requirements Analysis</a:t>
+          </a:r>
+        </a:p>
+      </dgm:t>
+    </dgm:pt>
+    <dgm:pt modelId="{60400B76-511A-4246-9C7D-5ADAF0F7318F}" type="parTrans" cxnId="{A7600FCC-C51B-45C0-BB07-3A90C1FC51C4}">
+      <dgm:prSet/>
+      <dgm:spPr/>
+      <dgm:t>
+        <a:bodyPr/>
+        <a:lstStyle/>
+        <a:p>
+          <a:endParaRPr lang="de-DE"/>
+        </a:p>
+      </dgm:t>
+    </dgm:pt>
+    <dgm:pt modelId="{459363CA-399F-4AE4-AB50-25D6082C368A}" type="sibTrans" cxnId="{A7600FCC-C51B-45C0-BB07-3A90C1FC51C4}">
+      <dgm:prSet/>
+      <dgm:spPr/>
+      <dgm:t>
+        <a:bodyPr/>
+        <a:lstStyle/>
+        <a:p>
+          <a:endParaRPr lang="de-DE"/>
+        </a:p>
+      </dgm:t>
+    </dgm:pt>
     <dgm:pt modelId="{0151216B-3B7B-4D0F-A8BB-3BAA47955DE9}" type="pres">
       <dgm:prSet presAssocID="{8A74D02E-4EAC-405E-9D11-CCDB3D22C45D}" presName="outerComposite" presStyleCnt="0">
         <dgm:presLayoutVars>
@@ -2400,88 +2444,112 @@
       </dgm:prSet>
       <dgm:spPr/>
     </dgm:pt>
-    <dgm:pt modelId="{FB6752FA-9814-42E5-B09F-639D5AB754EA}" type="pres">
-      <dgm:prSet presAssocID="{8A74D02E-4EAC-405E-9D11-CCDB3D22C45D}" presName="FourNodes_1" presStyleLbl="node1" presStyleIdx="0" presStyleCnt="4">
+    <dgm:pt modelId="{9B30F9B4-7DE9-42F0-AAE1-0EF0855DAF6A}" type="pres">
+      <dgm:prSet presAssocID="{8A74D02E-4EAC-405E-9D11-CCDB3D22C45D}" presName="FiveNodes_1" presStyleLbl="node1" presStyleIdx="0" presStyleCnt="5">
         <dgm:presLayoutVars>
           <dgm:bulletEnabled val="1"/>
         </dgm:presLayoutVars>
       </dgm:prSet>
       <dgm:spPr/>
     </dgm:pt>
-    <dgm:pt modelId="{3F5452F4-7D21-4ED1-9D0A-87E03C76C4DC}" type="pres">
-      <dgm:prSet presAssocID="{8A74D02E-4EAC-405E-9D11-CCDB3D22C45D}" presName="FourNodes_2" presStyleLbl="node1" presStyleIdx="1" presStyleCnt="4">
+    <dgm:pt modelId="{17DC6964-7697-4B3A-8306-3FA71A6E5CD7}" type="pres">
+      <dgm:prSet presAssocID="{8A74D02E-4EAC-405E-9D11-CCDB3D22C45D}" presName="FiveNodes_2" presStyleLbl="node1" presStyleIdx="1" presStyleCnt="5">
         <dgm:presLayoutVars>
           <dgm:bulletEnabled val="1"/>
         </dgm:presLayoutVars>
       </dgm:prSet>
       <dgm:spPr/>
     </dgm:pt>
-    <dgm:pt modelId="{4F48BF25-7789-44FD-A71D-2D28EE501275}" type="pres">
-      <dgm:prSet presAssocID="{8A74D02E-4EAC-405E-9D11-CCDB3D22C45D}" presName="FourNodes_3" presStyleLbl="node1" presStyleIdx="2" presStyleCnt="4">
+    <dgm:pt modelId="{C5DCB436-A807-4873-B046-66A6F58234CE}" type="pres">
+      <dgm:prSet presAssocID="{8A74D02E-4EAC-405E-9D11-CCDB3D22C45D}" presName="FiveNodes_3" presStyleLbl="node1" presStyleIdx="2" presStyleCnt="5">
         <dgm:presLayoutVars>
           <dgm:bulletEnabled val="1"/>
         </dgm:presLayoutVars>
       </dgm:prSet>
       <dgm:spPr/>
     </dgm:pt>
-    <dgm:pt modelId="{3ED62358-4C43-4918-A719-A40C54DA7EB5}" type="pres">
-      <dgm:prSet presAssocID="{8A74D02E-4EAC-405E-9D11-CCDB3D22C45D}" presName="FourNodes_4" presStyleLbl="node1" presStyleIdx="3" presStyleCnt="4">
+    <dgm:pt modelId="{82467640-C14A-449E-93AE-0D5337B454D5}" type="pres">
+      <dgm:prSet presAssocID="{8A74D02E-4EAC-405E-9D11-CCDB3D22C45D}" presName="FiveNodes_4" presStyleLbl="node1" presStyleIdx="3" presStyleCnt="5">
         <dgm:presLayoutVars>
           <dgm:bulletEnabled val="1"/>
         </dgm:presLayoutVars>
       </dgm:prSet>
       <dgm:spPr/>
     </dgm:pt>
-    <dgm:pt modelId="{83F462B9-FF0A-4917-B1EF-483EE8B24C0D}" type="pres">
-      <dgm:prSet presAssocID="{8A74D02E-4EAC-405E-9D11-CCDB3D22C45D}" presName="FourConn_1-2" presStyleLbl="fgAccFollowNode1" presStyleIdx="0" presStyleCnt="3">
+    <dgm:pt modelId="{9D745DE1-BAAC-4634-B158-9C674513313A}" type="pres">
+      <dgm:prSet presAssocID="{8A74D02E-4EAC-405E-9D11-CCDB3D22C45D}" presName="FiveNodes_5" presStyleLbl="node1" presStyleIdx="4" presStyleCnt="5">
         <dgm:presLayoutVars>
           <dgm:bulletEnabled val="1"/>
         </dgm:presLayoutVars>
       </dgm:prSet>
       <dgm:spPr/>
     </dgm:pt>
-    <dgm:pt modelId="{D4E29DCA-0590-410F-8225-A41CC06AEF61}" type="pres">
-      <dgm:prSet presAssocID="{8A74D02E-4EAC-405E-9D11-CCDB3D22C45D}" presName="FourConn_2-3" presStyleLbl="fgAccFollowNode1" presStyleIdx="1" presStyleCnt="3">
+    <dgm:pt modelId="{7E17D03D-FAD2-4398-8BB5-184A64722049}" type="pres">
+      <dgm:prSet presAssocID="{8A74D02E-4EAC-405E-9D11-CCDB3D22C45D}" presName="FiveConn_1-2" presStyleLbl="fgAccFollowNode1" presStyleIdx="0" presStyleCnt="4">
         <dgm:presLayoutVars>
           <dgm:bulletEnabled val="1"/>
         </dgm:presLayoutVars>
       </dgm:prSet>
       <dgm:spPr/>
     </dgm:pt>
-    <dgm:pt modelId="{4304DED1-B3B9-4E91-BAFB-AD01DBF0ACE4}" type="pres">
-      <dgm:prSet presAssocID="{8A74D02E-4EAC-405E-9D11-CCDB3D22C45D}" presName="FourConn_3-4" presStyleLbl="fgAccFollowNode1" presStyleIdx="2" presStyleCnt="3">
+    <dgm:pt modelId="{E6600D48-FC2A-433A-92AA-90C1D5FD85AD}" type="pres">
+      <dgm:prSet presAssocID="{8A74D02E-4EAC-405E-9D11-CCDB3D22C45D}" presName="FiveConn_2-3" presStyleLbl="fgAccFollowNode1" presStyleIdx="1" presStyleCnt="4">
         <dgm:presLayoutVars>
           <dgm:bulletEnabled val="1"/>
         </dgm:presLayoutVars>
       </dgm:prSet>
       <dgm:spPr/>
     </dgm:pt>
-    <dgm:pt modelId="{F70B2D57-4A3D-4780-81B9-543E89C6051B}" type="pres">
-      <dgm:prSet presAssocID="{8A74D02E-4EAC-405E-9D11-CCDB3D22C45D}" presName="FourNodes_1_text" presStyleLbl="node1" presStyleIdx="3" presStyleCnt="4">
+    <dgm:pt modelId="{F90A072A-44F4-4749-9C18-DFBD7CCEC13E}" type="pres">
+      <dgm:prSet presAssocID="{8A74D02E-4EAC-405E-9D11-CCDB3D22C45D}" presName="FiveConn_3-4" presStyleLbl="fgAccFollowNode1" presStyleIdx="2" presStyleCnt="4">
         <dgm:presLayoutVars>
           <dgm:bulletEnabled val="1"/>
         </dgm:presLayoutVars>
       </dgm:prSet>
       <dgm:spPr/>
     </dgm:pt>
-    <dgm:pt modelId="{84C497B2-BA79-4469-88AF-132AF57A0B99}" type="pres">
-      <dgm:prSet presAssocID="{8A74D02E-4EAC-405E-9D11-CCDB3D22C45D}" presName="FourNodes_2_text" presStyleLbl="node1" presStyleIdx="3" presStyleCnt="4">
+    <dgm:pt modelId="{744FA8DF-BD2F-4AC6-8CAE-E3F725F06247}" type="pres">
+      <dgm:prSet presAssocID="{8A74D02E-4EAC-405E-9D11-CCDB3D22C45D}" presName="FiveConn_4-5" presStyleLbl="fgAccFollowNode1" presStyleIdx="3" presStyleCnt="4">
         <dgm:presLayoutVars>
           <dgm:bulletEnabled val="1"/>
         </dgm:presLayoutVars>
       </dgm:prSet>
       <dgm:spPr/>
     </dgm:pt>
-    <dgm:pt modelId="{4EB251E4-0298-4C18-A8A2-41D1BDFFBB1C}" type="pres">
-      <dgm:prSet presAssocID="{8A74D02E-4EAC-405E-9D11-CCDB3D22C45D}" presName="FourNodes_3_text" presStyleLbl="node1" presStyleIdx="3" presStyleCnt="4">
+    <dgm:pt modelId="{C100EF4C-98FC-4E1D-868C-7F89646CCDBE}" type="pres">
+      <dgm:prSet presAssocID="{8A74D02E-4EAC-405E-9D11-CCDB3D22C45D}" presName="FiveNodes_1_text" presStyleLbl="node1" presStyleIdx="4" presStyleCnt="5">
         <dgm:presLayoutVars>
           <dgm:bulletEnabled val="1"/>
         </dgm:presLayoutVars>
       </dgm:prSet>
       <dgm:spPr/>
     </dgm:pt>
-    <dgm:pt modelId="{D450C7AE-00DD-4F2F-BE11-02CD45B9747F}" type="pres">
-      <dgm:prSet presAssocID="{8A74D02E-4EAC-405E-9D11-CCDB3D22C45D}" presName="FourNodes_4_text" presStyleLbl="node1" presStyleIdx="3" presStyleCnt="4">
+    <dgm:pt modelId="{F439B034-EFD6-4101-9B1F-D6EEB80BE5CC}" type="pres">
+      <dgm:prSet presAssocID="{8A74D02E-4EAC-405E-9D11-CCDB3D22C45D}" presName="FiveNodes_2_text" presStyleLbl="node1" presStyleIdx="4" presStyleCnt="5">
+        <dgm:presLayoutVars>
+          <dgm:bulletEnabled val="1"/>
+        </dgm:presLayoutVars>
+      </dgm:prSet>
+      <dgm:spPr/>
+    </dgm:pt>
+    <dgm:pt modelId="{A1CDBB8D-132E-49DD-B07A-665A216FC66A}" type="pres">
+      <dgm:prSet presAssocID="{8A74D02E-4EAC-405E-9D11-CCDB3D22C45D}" presName="FiveNodes_3_text" presStyleLbl="node1" presStyleIdx="4" presStyleCnt="5">
+        <dgm:presLayoutVars>
+          <dgm:bulletEnabled val="1"/>
+        </dgm:presLayoutVars>
+      </dgm:prSet>
+      <dgm:spPr/>
+    </dgm:pt>
+    <dgm:pt modelId="{6E4135BD-D058-47BE-8C5C-45573B32EA34}" type="pres">
+      <dgm:prSet presAssocID="{8A74D02E-4EAC-405E-9D11-CCDB3D22C45D}" presName="FiveNodes_4_text" presStyleLbl="node1" presStyleIdx="4" presStyleCnt="5">
+        <dgm:presLayoutVars>
+          <dgm:bulletEnabled val="1"/>
+        </dgm:presLayoutVars>
+      </dgm:prSet>
+      <dgm:spPr/>
+    </dgm:pt>
+    <dgm:pt modelId="{FBBD0FC6-93CB-4AA1-A30D-48F129CD1602}" type="pres">
+      <dgm:prSet presAssocID="{8A74D02E-4EAC-405E-9D11-CCDB3D22C45D}" presName="FiveNodes_5_text" presStyleLbl="node1" presStyleIdx="4" presStyleCnt="5">
         <dgm:presLayoutVars>
           <dgm:bulletEnabled val="1"/>
         </dgm:presLayoutVars>
@@ -2490,34 +2558,41 @@
     </dgm:pt>
   </dgm:ptLst>
   <dgm:cxnLst>
-    <dgm:cxn modelId="{C3252507-7388-49E0-AED9-07D6740721D1}" type="presOf" srcId="{D3E755DD-9104-4634-811F-ACAEC27E8FB4}" destId="{FB6752FA-9814-42E5-B09F-639D5AB754EA}" srcOrd="0" destOrd="0" presId="urn:microsoft.com/office/officeart/2005/8/layout/vProcess5"/>
-    <dgm:cxn modelId="{82779813-3F59-4057-863F-4AC980106CD5}" type="presOf" srcId="{9E316ACC-84CC-417C-A805-60E99F541E21}" destId="{4304DED1-B3B9-4E91-BAFB-AD01DBF0ACE4}" srcOrd="0" destOrd="0" presId="urn:microsoft.com/office/officeart/2005/8/layout/vProcess5"/>
-    <dgm:cxn modelId="{2BCAC71F-2CB2-4C05-8F3A-2E20A6B16B9E}" type="presOf" srcId="{B4EB282D-0BE1-4E10-98F3-1DBB1A187A77}" destId="{D4E29DCA-0590-410F-8225-A41CC06AEF61}" srcOrd="0" destOrd="0" presId="urn:microsoft.com/office/officeart/2005/8/layout/vProcess5"/>
+    <dgm:cxn modelId="{DCF89C09-34F6-4A55-8F37-21BF0D49D97A}" type="presOf" srcId="{DF668AE0-67B5-4F5B-8724-23C1F622507E}" destId="{7E17D03D-FAD2-4398-8BB5-184A64722049}" srcOrd="0" destOrd="0" presId="urn:microsoft.com/office/officeart/2005/8/layout/vProcess5"/>
+    <dgm:cxn modelId="{519D4D15-35EB-41C4-8FFB-F69E2108A97F}" type="presOf" srcId="{95AB0B91-382E-4598-AA47-9F242292C713}" destId="{C5DCB436-A807-4873-B046-66A6F58234CE}" srcOrd="0" destOrd="0" presId="urn:microsoft.com/office/officeart/2005/8/layout/vProcess5"/>
+    <dgm:cxn modelId="{9A2EC03E-5B0B-4D3D-B356-2760567A0A48}" type="presOf" srcId="{95AB0B91-382E-4598-AA47-9F242292C713}" destId="{A1CDBB8D-132E-49DD-B07A-665A216FC66A}" srcOrd="1" destOrd="0" presId="urn:microsoft.com/office/officeart/2005/8/layout/vProcess5"/>
     <dgm:cxn modelId="{17EF2C63-C053-412A-8E0D-E52A947E2884}" srcId="{8A74D02E-4EAC-405E-9D11-CCDB3D22C45D}" destId="{6B741CCA-783F-4E2F-ACD3-8085979A5178}" srcOrd="3" destOrd="0" parTransId="{C12A2316-F555-4C31-B37F-433A187BF196}" sibTransId="{2D670A0E-493F-4EA9-B28B-DCEDCF17C2AE}"/>
-    <dgm:cxn modelId="{3FE2074B-B21A-40B9-9481-C24F5D603202}" type="presOf" srcId="{CFCE7322-617E-4B50-B0AC-4CFC907D56EC}" destId="{84C497B2-BA79-4469-88AF-132AF57A0B99}" srcOrd="1" destOrd="0" presId="urn:microsoft.com/office/officeart/2005/8/layout/vProcess5"/>
-    <dgm:cxn modelId="{38B2504F-81B5-483D-BB34-E23C04D7EAAB}" type="presOf" srcId="{95AB0B91-382E-4598-AA47-9F242292C713}" destId="{4F48BF25-7789-44FD-A71D-2D28EE501275}" srcOrd="0" destOrd="0" presId="urn:microsoft.com/office/officeart/2005/8/layout/vProcess5"/>
+    <dgm:cxn modelId="{8CE84444-63D1-45C1-BFC3-3138762DDFF0}" type="presOf" srcId="{2D670A0E-493F-4EA9-B28B-DCEDCF17C2AE}" destId="{744FA8DF-BD2F-4AC6-8CAE-E3F725F06247}" srcOrd="0" destOrd="0" presId="urn:microsoft.com/office/officeart/2005/8/layout/vProcess5"/>
+    <dgm:cxn modelId="{F8E45768-826F-4D88-85AF-3968ECFE4AD5}" type="presOf" srcId="{6B741CCA-783F-4E2F-ACD3-8085979A5178}" destId="{6E4135BD-D058-47BE-8C5C-45573B32EA34}" srcOrd="1" destOrd="0" presId="urn:microsoft.com/office/officeart/2005/8/layout/vProcess5"/>
+    <dgm:cxn modelId="{50D8844F-5485-4A72-AA6C-F3A400BDF8E1}" type="presOf" srcId="{CFCE7322-617E-4B50-B0AC-4CFC907D56EC}" destId="{17DC6964-7697-4B3A-8306-3FA71A6E5CD7}" srcOrd="0" destOrd="0" presId="urn:microsoft.com/office/officeart/2005/8/layout/vProcess5"/>
     <dgm:cxn modelId="{8072AA4F-1064-41FD-B586-24C2AFA6A369}" srcId="{8A74D02E-4EAC-405E-9D11-CCDB3D22C45D}" destId="{95AB0B91-382E-4598-AA47-9F242292C713}" srcOrd="2" destOrd="0" parTransId="{E0739272-64B1-4FBB-99D8-E4A3C220E1EA}" sibTransId="{9E316ACC-84CC-417C-A805-60E99F541E21}"/>
-    <dgm:cxn modelId="{2C095E71-71B7-435E-B067-E0526506A078}" type="presOf" srcId="{95AB0B91-382E-4598-AA47-9F242292C713}" destId="{4EB251E4-0298-4C18-A8A2-41D1BDFFBB1C}" srcOrd="1" destOrd="0" presId="urn:microsoft.com/office/officeart/2005/8/layout/vProcess5"/>
-    <dgm:cxn modelId="{84934C79-5968-4D18-B46A-6FDC81BAFDBA}" type="presOf" srcId="{6B741CCA-783F-4E2F-ACD3-8085979A5178}" destId="{3ED62358-4C43-4918-A719-A40C54DA7EB5}" srcOrd="0" destOrd="0" presId="urn:microsoft.com/office/officeart/2005/8/layout/vProcess5"/>
-    <dgm:cxn modelId="{C061CA81-4857-4D50-BF93-6225694336C6}" type="presOf" srcId="{6B741CCA-783F-4E2F-ACD3-8085979A5178}" destId="{D450C7AE-00DD-4F2F-BE11-02CD45B9747F}" srcOrd="1" destOrd="0" presId="urn:microsoft.com/office/officeart/2005/8/layout/vProcess5"/>
+    <dgm:cxn modelId="{3D5CDD56-FCAB-4E5F-830B-F8C98FFCAF5C}" type="presOf" srcId="{6B741CCA-783F-4E2F-ACD3-8085979A5178}" destId="{82467640-C14A-449E-93AE-0D5337B454D5}" srcOrd="0" destOrd="0" presId="urn:microsoft.com/office/officeart/2005/8/layout/vProcess5"/>
+    <dgm:cxn modelId="{F03E5F81-3F46-4EEA-AC6D-7A9AE91D60C1}" type="presOf" srcId="{D3E755DD-9104-4634-811F-ACAEC27E8FB4}" destId="{C100EF4C-98FC-4E1D-868C-7F89646CCDBE}" srcOrd="1" destOrd="0" presId="urn:microsoft.com/office/officeart/2005/8/layout/vProcess5"/>
     <dgm:cxn modelId="{B3C39F87-388A-42B0-A5F8-031A44580750}" srcId="{8A74D02E-4EAC-405E-9D11-CCDB3D22C45D}" destId="{CFCE7322-617E-4B50-B0AC-4CFC907D56EC}" srcOrd="1" destOrd="0" parTransId="{4349550F-C4B9-4AF5-9BEB-AAA6CFA90142}" sibTransId="{B4EB282D-0BE1-4E10-98F3-1DBB1A187A77}"/>
     <dgm:cxn modelId="{6ECD2F96-EE10-4ACA-BB8D-08A8D870457A}" type="presOf" srcId="{8A74D02E-4EAC-405E-9D11-CCDB3D22C45D}" destId="{0151216B-3B7B-4D0F-A8BB-3BAA47955DE9}" srcOrd="0" destOrd="0" presId="urn:microsoft.com/office/officeart/2005/8/layout/vProcess5"/>
-    <dgm:cxn modelId="{701D37CD-52ED-4696-BC21-62BAD61D203B}" type="presOf" srcId="{DF668AE0-67B5-4F5B-8724-23C1F622507E}" destId="{83F462B9-FF0A-4917-B1EF-483EE8B24C0D}" srcOrd="0" destOrd="0" presId="urn:microsoft.com/office/officeart/2005/8/layout/vProcess5"/>
+    <dgm:cxn modelId="{D6DBBC9F-590F-43D8-BD96-4B5872AB8EFB}" type="presOf" srcId="{917B1805-970E-40CF-892E-0FADC474E72F}" destId="{9D745DE1-BAAC-4634-B158-9C674513313A}" srcOrd="0" destOrd="0" presId="urn:microsoft.com/office/officeart/2005/8/layout/vProcess5"/>
+    <dgm:cxn modelId="{A035A9B4-9137-44BC-B1BF-3762E5D7055E}" type="presOf" srcId="{917B1805-970E-40CF-892E-0FADC474E72F}" destId="{FBBD0FC6-93CB-4AA1-A30D-48F129CD1602}" srcOrd="1" destOrd="0" presId="urn:microsoft.com/office/officeart/2005/8/layout/vProcess5"/>
+    <dgm:cxn modelId="{A7600FCC-C51B-45C0-BB07-3A90C1FC51C4}" srcId="{8A74D02E-4EAC-405E-9D11-CCDB3D22C45D}" destId="{917B1805-970E-40CF-892E-0FADC474E72F}" srcOrd="4" destOrd="0" parTransId="{60400B76-511A-4246-9C7D-5ADAF0F7318F}" sibTransId="{459363CA-399F-4AE4-AB50-25D6082C368A}"/>
+    <dgm:cxn modelId="{4A5CEBCC-435F-48FE-A174-36D0B0119B30}" type="presOf" srcId="{D3E755DD-9104-4634-811F-ACAEC27E8FB4}" destId="{9B30F9B4-7DE9-42F0-AAE1-0EF0855DAF6A}" srcOrd="0" destOrd="0" presId="urn:microsoft.com/office/officeart/2005/8/layout/vProcess5"/>
     <dgm:cxn modelId="{ADB896CE-E89F-451B-8770-1E87AA8F72A1}" srcId="{8A74D02E-4EAC-405E-9D11-CCDB3D22C45D}" destId="{D3E755DD-9104-4634-811F-ACAEC27E8FB4}" srcOrd="0" destOrd="0" parTransId="{B0A98B37-60A6-455A-A40B-E0D37177D12B}" sibTransId="{DF668AE0-67B5-4F5B-8724-23C1F622507E}"/>
-    <dgm:cxn modelId="{F5558CDC-76A2-4ECD-9380-ECFC22FC2FE2}" type="presOf" srcId="{CFCE7322-617E-4B50-B0AC-4CFC907D56EC}" destId="{3F5452F4-7D21-4ED1-9D0A-87E03C76C4DC}" srcOrd="0" destOrd="0" presId="urn:microsoft.com/office/officeart/2005/8/layout/vProcess5"/>
-    <dgm:cxn modelId="{0E8D38EE-979D-4408-AAD5-36E7139013BA}" type="presOf" srcId="{D3E755DD-9104-4634-811F-ACAEC27E8FB4}" destId="{F70B2D57-4A3D-4780-81B9-543E89C6051B}" srcOrd="1" destOrd="0" presId="urn:microsoft.com/office/officeart/2005/8/layout/vProcess5"/>
+    <dgm:cxn modelId="{0E2563E8-809C-4705-8042-082918B0477E}" type="presOf" srcId="{B4EB282D-0BE1-4E10-98F3-1DBB1A187A77}" destId="{E6600D48-FC2A-433A-92AA-90C1D5FD85AD}" srcOrd="0" destOrd="0" presId="urn:microsoft.com/office/officeart/2005/8/layout/vProcess5"/>
+    <dgm:cxn modelId="{0AC337ED-B4D9-45EE-919C-DD0FE4C8C758}" type="presOf" srcId="{CFCE7322-617E-4B50-B0AC-4CFC907D56EC}" destId="{F439B034-EFD6-4101-9B1F-D6EEB80BE5CC}" srcOrd="1" destOrd="0" presId="urn:microsoft.com/office/officeart/2005/8/layout/vProcess5"/>
+    <dgm:cxn modelId="{320DF1F4-2F37-499A-82D7-9DD3835E24F9}" type="presOf" srcId="{9E316ACC-84CC-417C-A805-60E99F541E21}" destId="{F90A072A-44F4-4749-9C18-DFBD7CCEC13E}" srcOrd="0" destOrd="0" presId="urn:microsoft.com/office/officeart/2005/8/layout/vProcess5"/>
     <dgm:cxn modelId="{7728185D-8488-49DD-8DB8-C4539C0D2D67}" type="presParOf" srcId="{0151216B-3B7B-4D0F-A8BB-3BAA47955DE9}" destId="{CAEB330F-BCFD-4FE8-8D23-D35453F17ABD}" srcOrd="0" destOrd="0" presId="urn:microsoft.com/office/officeart/2005/8/layout/vProcess5"/>
-    <dgm:cxn modelId="{B1A826DA-C800-479E-BEAB-924AD6AF6001}" type="presParOf" srcId="{0151216B-3B7B-4D0F-A8BB-3BAA47955DE9}" destId="{FB6752FA-9814-42E5-B09F-639D5AB754EA}" srcOrd="1" destOrd="0" presId="urn:microsoft.com/office/officeart/2005/8/layout/vProcess5"/>
-    <dgm:cxn modelId="{155859A7-4D85-40B4-866D-3FE4EE1DFD79}" type="presParOf" srcId="{0151216B-3B7B-4D0F-A8BB-3BAA47955DE9}" destId="{3F5452F4-7D21-4ED1-9D0A-87E03C76C4DC}" srcOrd="2" destOrd="0" presId="urn:microsoft.com/office/officeart/2005/8/layout/vProcess5"/>
-    <dgm:cxn modelId="{0A799690-FD71-49E7-B8A3-BCE47B6E7BB5}" type="presParOf" srcId="{0151216B-3B7B-4D0F-A8BB-3BAA47955DE9}" destId="{4F48BF25-7789-44FD-A71D-2D28EE501275}" srcOrd="3" destOrd="0" presId="urn:microsoft.com/office/officeart/2005/8/layout/vProcess5"/>
-    <dgm:cxn modelId="{465F30D1-2F39-4A6D-944C-DD491E746C93}" type="presParOf" srcId="{0151216B-3B7B-4D0F-A8BB-3BAA47955DE9}" destId="{3ED62358-4C43-4918-A719-A40C54DA7EB5}" srcOrd="4" destOrd="0" presId="urn:microsoft.com/office/officeart/2005/8/layout/vProcess5"/>
-    <dgm:cxn modelId="{7791BBE1-E3C1-4622-BAF0-F0C5EFDEDA39}" type="presParOf" srcId="{0151216B-3B7B-4D0F-A8BB-3BAA47955DE9}" destId="{83F462B9-FF0A-4917-B1EF-483EE8B24C0D}" srcOrd="5" destOrd="0" presId="urn:microsoft.com/office/officeart/2005/8/layout/vProcess5"/>
-    <dgm:cxn modelId="{778A0AF0-6A46-4C60-909F-E3A807FF641A}" type="presParOf" srcId="{0151216B-3B7B-4D0F-A8BB-3BAA47955DE9}" destId="{D4E29DCA-0590-410F-8225-A41CC06AEF61}" srcOrd="6" destOrd="0" presId="urn:microsoft.com/office/officeart/2005/8/layout/vProcess5"/>
-    <dgm:cxn modelId="{99287881-EDD4-41BE-84C4-FA90C300DFD5}" type="presParOf" srcId="{0151216B-3B7B-4D0F-A8BB-3BAA47955DE9}" destId="{4304DED1-B3B9-4E91-BAFB-AD01DBF0ACE4}" srcOrd="7" destOrd="0" presId="urn:microsoft.com/office/officeart/2005/8/layout/vProcess5"/>
-    <dgm:cxn modelId="{CF538270-D6FA-4C1D-914B-6BDD9D85C622}" type="presParOf" srcId="{0151216B-3B7B-4D0F-A8BB-3BAA47955DE9}" destId="{F70B2D57-4A3D-4780-81B9-543E89C6051B}" srcOrd="8" destOrd="0" presId="urn:microsoft.com/office/officeart/2005/8/layout/vProcess5"/>
-    <dgm:cxn modelId="{BEFD1F63-0457-487B-B5E7-0240DDE4D271}" type="presParOf" srcId="{0151216B-3B7B-4D0F-A8BB-3BAA47955DE9}" destId="{84C497B2-BA79-4469-88AF-132AF57A0B99}" srcOrd="9" destOrd="0" presId="urn:microsoft.com/office/officeart/2005/8/layout/vProcess5"/>
-    <dgm:cxn modelId="{3CA7A396-2FB1-4D5B-A40D-86BD745A1605}" type="presParOf" srcId="{0151216B-3B7B-4D0F-A8BB-3BAA47955DE9}" destId="{4EB251E4-0298-4C18-A8A2-41D1BDFFBB1C}" srcOrd="10" destOrd="0" presId="urn:microsoft.com/office/officeart/2005/8/layout/vProcess5"/>
-    <dgm:cxn modelId="{75CF3ABA-B988-4019-B6BE-29DD098BAA56}" type="presParOf" srcId="{0151216B-3B7B-4D0F-A8BB-3BAA47955DE9}" destId="{D450C7AE-00DD-4F2F-BE11-02CD45B9747F}" srcOrd="11" destOrd="0" presId="urn:microsoft.com/office/officeart/2005/8/layout/vProcess5"/>
+    <dgm:cxn modelId="{6CEEFDF7-CC13-4A40-BE7F-F0E0DF6BF9CE}" type="presParOf" srcId="{0151216B-3B7B-4D0F-A8BB-3BAA47955DE9}" destId="{9B30F9B4-7DE9-42F0-AAE1-0EF0855DAF6A}" srcOrd="1" destOrd="0" presId="urn:microsoft.com/office/officeart/2005/8/layout/vProcess5"/>
+    <dgm:cxn modelId="{7445F7E6-4110-4070-B3B9-55288825D019}" type="presParOf" srcId="{0151216B-3B7B-4D0F-A8BB-3BAA47955DE9}" destId="{17DC6964-7697-4B3A-8306-3FA71A6E5CD7}" srcOrd="2" destOrd="0" presId="urn:microsoft.com/office/officeart/2005/8/layout/vProcess5"/>
+    <dgm:cxn modelId="{33B32615-8E1D-49AC-8CBA-2EFA0A45EFA3}" type="presParOf" srcId="{0151216B-3B7B-4D0F-A8BB-3BAA47955DE9}" destId="{C5DCB436-A807-4873-B046-66A6F58234CE}" srcOrd="3" destOrd="0" presId="urn:microsoft.com/office/officeart/2005/8/layout/vProcess5"/>
+    <dgm:cxn modelId="{EF84BC14-F194-4ED1-B79C-8DCF94E3BC29}" type="presParOf" srcId="{0151216B-3B7B-4D0F-A8BB-3BAA47955DE9}" destId="{82467640-C14A-449E-93AE-0D5337B454D5}" srcOrd="4" destOrd="0" presId="urn:microsoft.com/office/officeart/2005/8/layout/vProcess5"/>
+    <dgm:cxn modelId="{15BC6955-AE61-4B40-B1DA-2CC22E16BA77}" type="presParOf" srcId="{0151216B-3B7B-4D0F-A8BB-3BAA47955DE9}" destId="{9D745DE1-BAAC-4634-B158-9C674513313A}" srcOrd="5" destOrd="0" presId="urn:microsoft.com/office/officeart/2005/8/layout/vProcess5"/>
+    <dgm:cxn modelId="{5333E9C2-A82A-4F7D-9DFD-A8EBD1273F3C}" type="presParOf" srcId="{0151216B-3B7B-4D0F-A8BB-3BAA47955DE9}" destId="{7E17D03D-FAD2-4398-8BB5-184A64722049}" srcOrd="6" destOrd="0" presId="urn:microsoft.com/office/officeart/2005/8/layout/vProcess5"/>
+    <dgm:cxn modelId="{6A28F534-CD9A-4093-95A8-54EA2386D988}" type="presParOf" srcId="{0151216B-3B7B-4D0F-A8BB-3BAA47955DE9}" destId="{E6600D48-FC2A-433A-92AA-90C1D5FD85AD}" srcOrd="7" destOrd="0" presId="urn:microsoft.com/office/officeart/2005/8/layout/vProcess5"/>
+    <dgm:cxn modelId="{D7BF1229-3739-4402-A3BC-285D18F7F9F8}" type="presParOf" srcId="{0151216B-3B7B-4D0F-A8BB-3BAA47955DE9}" destId="{F90A072A-44F4-4749-9C18-DFBD7CCEC13E}" srcOrd="8" destOrd="0" presId="urn:microsoft.com/office/officeart/2005/8/layout/vProcess5"/>
+    <dgm:cxn modelId="{9C91060B-19BC-44BD-A3C6-780F82C3BF0B}" type="presParOf" srcId="{0151216B-3B7B-4D0F-A8BB-3BAA47955DE9}" destId="{744FA8DF-BD2F-4AC6-8CAE-E3F725F06247}" srcOrd="9" destOrd="0" presId="urn:microsoft.com/office/officeart/2005/8/layout/vProcess5"/>
+    <dgm:cxn modelId="{8E3003B5-612B-47B2-851E-1EB86ABB027A}" type="presParOf" srcId="{0151216B-3B7B-4D0F-A8BB-3BAA47955DE9}" destId="{C100EF4C-98FC-4E1D-868C-7F89646CCDBE}" srcOrd="10" destOrd="0" presId="urn:microsoft.com/office/officeart/2005/8/layout/vProcess5"/>
+    <dgm:cxn modelId="{743E6F0D-9CA5-41F4-9436-7FE84DC6EDA7}" type="presParOf" srcId="{0151216B-3B7B-4D0F-A8BB-3BAA47955DE9}" destId="{F439B034-EFD6-4101-9B1F-D6EEB80BE5CC}" srcOrd="11" destOrd="0" presId="urn:microsoft.com/office/officeart/2005/8/layout/vProcess5"/>
+    <dgm:cxn modelId="{5CB3173D-10F2-4F26-88D6-E1FBBE56F21A}" type="presParOf" srcId="{0151216B-3B7B-4D0F-A8BB-3BAA47955DE9}" destId="{A1CDBB8D-132E-49DD-B07A-665A216FC66A}" srcOrd="12" destOrd="0" presId="urn:microsoft.com/office/officeart/2005/8/layout/vProcess5"/>
+    <dgm:cxn modelId="{596E2B01-F03E-4A94-9F74-AFE5CA7FBF73}" type="presParOf" srcId="{0151216B-3B7B-4D0F-A8BB-3BAA47955DE9}" destId="{6E4135BD-D058-47BE-8C5C-45573B32EA34}" srcOrd="13" destOrd="0" presId="urn:microsoft.com/office/officeart/2005/8/layout/vProcess5"/>
+    <dgm:cxn modelId="{5B9C30EF-87C7-4BF1-AFAC-76ABD2A0002D}" type="presParOf" srcId="{0151216B-3B7B-4D0F-A8BB-3BAA47955DE9}" destId="{FBBD0FC6-93CB-4AA1-A30D-48F129CD1602}" srcOrd="14" destOrd="0" presId="urn:microsoft.com/office/officeart/2005/8/layout/vProcess5"/>
   </dgm:cxnLst>
   <dgm:bg/>
   <dgm:whole/>
@@ -2855,7 +2930,7 @@
       <dsp:cNvGrpSpPr/>
     </dsp:nvGrpSpPr>
     <dsp:grpSpPr/>
-    <dsp:sp modelId="{FB6752FA-9814-42E5-B09F-639D5AB754EA}">
+    <dsp:sp modelId="{9B30F9B4-7DE9-42F0-AAE1-0EF0855DAF6A}">
       <dsp:nvSpPr>
         <dsp:cNvPr id="0" name=""/>
         <dsp:cNvSpPr/>
@@ -2863,7 +2938,7 @@
       <dsp:spPr>
         <a:xfrm>
           <a:off x="0" y="0"/>
-          <a:ext cx="5270952" cy="1297283"/>
+          <a:ext cx="5073292" cy="1061413"/>
         </a:xfrm>
         <a:prstGeom prst="roundRect">
           <a:avLst>
@@ -2932,19 +3007,19 @@
         </a:p>
       </dsp:txBody>
       <dsp:txXfrm>
-        <a:off x="37996" y="37996"/>
-        <a:ext cx="3761462" cy="1221291"/>
+        <a:off x="31088" y="31088"/>
+        <a:ext cx="3803757" cy="999237"/>
       </dsp:txXfrm>
     </dsp:sp>
-    <dsp:sp modelId="{3F5452F4-7D21-4ED1-9D0A-87E03C76C4DC}">
+    <dsp:sp modelId="{17DC6964-7697-4B3A-8306-3FA71A6E5CD7}">
       <dsp:nvSpPr>
         <dsp:cNvPr id="0" name=""/>
         <dsp:cNvSpPr/>
       </dsp:nvSpPr>
       <dsp:spPr>
         <a:xfrm>
-          <a:off x="441442" y="1533153"/>
-          <a:ext cx="5270952" cy="1297283"/>
+          <a:off x="378849" y="1208832"/>
+          <a:ext cx="5073292" cy="1061413"/>
         </a:xfrm>
         <a:prstGeom prst="roundRect">
           <a:avLst>
@@ -3017,19 +3092,19 @@
         </a:p>
       </dsp:txBody>
       <dsp:txXfrm>
-        <a:off x="479438" y="1571149"/>
-        <a:ext cx="3910284" cy="1221291"/>
+        <a:off x="409937" y="1239920"/>
+        <a:ext cx="3942347" cy="999237"/>
       </dsp:txXfrm>
     </dsp:sp>
-    <dsp:sp modelId="{4F48BF25-7789-44FD-A71D-2D28EE501275}">
+    <dsp:sp modelId="{C5DCB436-A807-4873-B046-66A6F58234CE}">
       <dsp:nvSpPr>
         <dsp:cNvPr id="0" name=""/>
         <dsp:cNvSpPr/>
       </dsp:nvSpPr>
       <dsp:spPr>
         <a:xfrm>
-          <a:off x="876295" y="3066306"/>
-          <a:ext cx="5270952" cy="1297283"/>
+          <a:off x="757699" y="2417664"/>
+          <a:ext cx="5073292" cy="1061413"/>
         </a:xfrm>
         <a:prstGeom prst="roundRect">
           <a:avLst>
@@ -3102,19 +3177,19 @@
         </a:p>
       </dsp:txBody>
       <dsp:txXfrm>
-        <a:off x="914291" y="3104302"/>
-        <a:ext cx="3916872" cy="1221291"/>
+        <a:off x="788787" y="2448752"/>
+        <a:ext cx="3942347" cy="999237"/>
       </dsp:txXfrm>
     </dsp:sp>
-    <dsp:sp modelId="{3ED62358-4C43-4918-A719-A40C54DA7EB5}">
+    <dsp:sp modelId="{82467640-C14A-449E-93AE-0D5337B454D5}">
       <dsp:nvSpPr>
         <dsp:cNvPr id="0" name=""/>
         <dsp:cNvSpPr/>
       </dsp:nvSpPr>
       <dsp:spPr>
         <a:xfrm>
-          <a:off x="1317738" y="4599459"/>
-          <a:ext cx="5270952" cy="1297283"/>
+          <a:off x="1136549" y="3626496"/>
+          <a:ext cx="5073292" cy="1061413"/>
         </a:xfrm>
         <a:prstGeom prst="roundRect">
           <a:avLst>
@@ -3176,34 +3251,114 @@
             <a:buNone/>
           </a:pPr>
           <a:r>
-            <a:rPr lang="en-US" sz="2700" b="0" i="0" kern="1200"/>
+            <a:rPr lang="en-US" sz="2700" b="0" i="0" kern="1200" dirty="0"/>
             <a:t>Presentation </a:t>
           </a:r>
           <a:r>
-            <a:rPr lang="en-US" sz="2700" kern="1200"/>
+            <a:rPr lang="en-US" sz="2700" kern="1200" dirty="0"/>
             <a:t>of the</a:t>
           </a:r>
           <a:r>
-            <a:rPr lang="en-US" sz="2700" b="0" i="0" kern="1200"/>
+            <a:rPr lang="en-US" sz="2700" b="0" i="0" kern="1200" dirty="0"/>
             <a:t> tentative time plan</a:t>
           </a:r>
-          <a:endParaRPr lang="en-US" sz="2700" kern="1200"/>
+          <a:endParaRPr lang="en-US" sz="2700" kern="1200" dirty="0"/>
         </a:p>
       </dsp:txBody>
       <dsp:txXfrm>
-        <a:off x="1355734" y="4637455"/>
-        <a:ext cx="3910284" cy="1221291"/>
+        <a:off x="1167637" y="3657584"/>
+        <a:ext cx="3942347" cy="999237"/>
       </dsp:txXfrm>
     </dsp:sp>
-    <dsp:sp modelId="{83F462B9-FF0A-4917-B1EF-483EE8B24C0D}">
+    <dsp:sp modelId="{9D745DE1-BAAC-4634-B158-9C674513313A}">
       <dsp:nvSpPr>
         <dsp:cNvPr id="0" name=""/>
         <dsp:cNvSpPr/>
       </dsp:nvSpPr>
       <dsp:spPr>
         <a:xfrm>
-          <a:off x="4427718" y="993601"/>
-          <a:ext cx="843234" cy="843234"/>
+          <a:off x="1515398" y="4835329"/>
+          <a:ext cx="5073292" cy="1061413"/>
+        </a:xfrm>
+        <a:prstGeom prst="roundRect">
+          <a:avLst>
+            <a:gd name="adj" fmla="val 10000"/>
+          </a:avLst>
+        </a:prstGeom>
+        <a:solidFill>
+          <a:schemeClr val="accent6">
+            <a:hueOff val="0"/>
+            <a:satOff val="0"/>
+            <a:lumOff val="0"/>
+            <a:alphaOff val="0"/>
+          </a:schemeClr>
+        </a:solidFill>
+        <a:ln w="12700" cap="flat" cmpd="sng" algn="ctr">
+          <a:solidFill>
+            <a:schemeClr val="lt1">
+              <a:hueOff val="0"/>
+              <a:satOff val="0"/>
+              <a:lumOff val="0"/>
+              <a:alphaOff val="0"/>
+            </a:schemeClr>
+          </a:solidFill>
+          <a:prstDash val="solid"/>
+          <a:miter lim="800000"/>
+        </a:ln>
+        <a:effectLst/>
+      </dsp:spPr>
+      <dsp:style>
+        <a:lnRef idx="2">
+          <a:scrgbClr r="0" g="0" b="0"/>
+        </a:lnRef>
+        <a:fillRef idx="1">
+          <a:scrgbClr r="0" g="0" b="0"/>
+        </a:fillRef>
+        <a:effectRef idx="0">
+          <a:scrgbClr r="0" g="0" b="0"/>
+        </a:effectRef>
+        <a:fontRef idx="minor">
+          <a:schemeClr val="lt1"/>
+        </a:fontRef>
+      </dsp:style>
+      <dsp:txBody>
+        <a:bodyPr spcFirstLastPara="0" vert="horz" wrap="square" lIns="102870" tIns="102870" rIns="102870" bIns="102870" numCol="1" spcCol="1270" anchor="ctr" anchorCtr="0">
+          <a:noAutofit/>
+        </a:bodyPr>
+        <a:lstStyle/>
+        <a:p>
+          <a:pPr marL="0" lvl="0" indent="0" algn="l" defTabSz="1200150">
+            <a:lnSpc>
+              <a:spcPct val="90000"/>
+            </a:lnSpc>
+            <a:spcBef>
+              <a:spcPct val="0"/>
+            </a:spcBef>
+            <a:spcAft>
+              <a:spcPct val="35000"/>
+            </a:spcAft>
+            <a:buNone/>
+          </a:pPr>
+          <a:r>
+            <a:rPr lang="en-US" sz="2700" kern="1200" dirty="0"/>
+            <a:t>Requirements Analysis</a:t>
+          </a:r>
+        </a:p>
+      </dsp:txBody>
+      <dsp:txXfrm>
+        <a:off x="1546486" y="4866417"/>
+        <a:ext cx="3942347" cy="999237"/>
+      </dsp:txXfrm>
+    </dsp:sp>
+    <dsp:sp modelId="{7E17D03D-FAD2-4398-8BB5-184A64722049}">
+      <dsp:nvSpPr>
+        <dsp:cNvPr id="0" name=""/>
+        <dsp:cNvSpPr/>
+      </dsp:nvSpPr>
+      <dsp:spPr>
+        <a:xfrm>
+          <a:off x="4383373" y="775421"/>
+          <a:ext cx="689918" cy="689918"/>
         </a:xfrm>
         <a:prstGeom prst="downArrow">
           <a:avLst>
@@ -3250,12 +3405,12 @@
         <a:fontRef idx="minor"/>
       </dsp:style>
       <dsp:txBody>
-        <a:bodyPr spcFirstLastPara="0" vert="horz" wrap="square" lIns="45720" tIns="45720" rIns="45720" bIns="45720" numCol="1" spcCol="1270" anchor="ctr" anchorCtr="0">
+        <a:bodyPr spcFirstLastPara="0" vert="horz" wrap="square" lIns="39370" tIns="39370" rIns="39370" bIns="39370" numCol="1" spcCol="1270" anchor="ctr" anchorCtr="0">
           <a:noAutofit/>
         </a:bodyPr>
         <a:lstStyle/>
         <a:p>
-          <a:pPr marL="0" lvl="0" indent="0" algn="ctr" defTabSz="1600200">
+          <a:pPr marL="0" lvl="0" indent="0" algn="ctr" defTabSz="1377950">
             <a:lnSpc>
               <a:spcPct val="90000"/>
             </a:lnSpc>
@@ -3267,23 +3422,23 @@
             </a:spcAft>
             <a:buNone/>
           </a:pPr>
-          <a:endParaRPr lang="en-US" sz="3600" kern="1200"/>
+          <a:endParaRPr lang="en-US" sz="3100" kern="1200"/>
         </a:p>
       </dsp:txBody>
       <dsp:txXfrm>
-        <a:off x="4617446" y="993601"/>
-        <a:ext cx="463778" cy="634534"/>
+        <a:off x="4538605" y="775421"/>
+        <a:ext cx="379454" cy="519163"/>
       </dsp:txXfrm>
     </dsp:sp>
-    <dsp:sp modelId="{D4E29DCA-0590-410F-8225-A41CC06AEF61}">
+    <dsp:sp modelId="{E6600D48-FC2A-433A-92AA-90C1D5FD85AD}">
       <dsp:nvSpPr>
         <dsp:cNvPr id="0" name=""/>
         <dsp:cNvSpPr/>
       </dsp:nvSpPr>
       <dsp:spPr>
         <a:xfrm>
-          <a:off x="4869160" y="2526754"/>
-          <a:ext cx="843234" cy="843234"/>
+          <a:off x="4762222" y="1984254"/>
+          <a:ext cx="689918" cy="689918"/>
         </a:xfrm>
         <a:prstGeom prst="downArrow">
           <a:avLst>
@@ -3330,12 +3485,12 @@
         <a:fontRef idx="minor"/>
       </dsp:style>
       <dsp:txBody>
-        <a:bodyPr spcFirstLastPara="0" vert="horz" wrap="square" lIns="45720" tIns="45720" rIns="45720" bIns="45720" numCol="1" spcCol="1270" anchor="ctr" anchorCtr="0">
+        <a:bodyPr spcFirstLastPara="0" vert="horz" wrap="square" lIns="39370" tIns="39370" rIns="39370" bIns="39370" numCol="1" spcCol="1270" anchor="ctr" anchorCtr="0">
           <a:noAutofit/>
         </a:bodyPr>
         <a:lstStyle/>
         <a:p>
-          <a:pPr marL="0" lvl="0" indent="0" algn="ctr" defTabSz="1600200">
+          <a:pPr marL="0" lvl="0" indent="0" algn="ctr" defTabSz="1377950">
             <a:lnSpc>
               <a:spcPct val="90000"/>
             </a:lnSpc>
@@ -3347,23 +3502,23 @@
             </a:spcAft>
             <a:buNone/>
           </a:pPr>
-          <a:endParaRPr lang="en-US" sz="3600" kern="1200"/>
+          <a:endParaRPr lang="en-US" sz="3100" kern="1200"/>
         </a:p>
       </dsp:txBody>
       <dsp:txXfrm>
-        <a:off x="5058888" y="2526754"/>
-        <a:ext cx="463778" cy="634534"/>
+        <a:off x="4917454" y="1984254"/>
+        <a:ext cx="379454" cy="519163"/>
       </dsp:txXfrm>
     </dsp:sp>
-    <dsp:sp modelId="{4304DED1-B3B9-4E91-BAFB-AD01DBF0ACE4}">
+    <dsp:sp modelId="{F90A072A-44F4-4749-9C18-DFBD7CCEC13E}">
       <dsp:nvSpPr>
         <dsp:cNvPr id="0" name=""/>
         <dsp:cNvSpPr/>
       </dsp:nvSpPr>
       <dsp:spPr>
         <a:xfrm>
-          <a:off x="5304014" y="4059907"/>
-          <a:ext cx="843234" cy="843234"/>
+          <a:off x="5141072" y="3175396"/>
+          <a:ext cx="689918" cy="689918"/>
         </a:xfrm>
         <a:prstGeom prst="downArrow">
           <a:avLst>
@@ -3410,12 +3565,12 @@
         <a:fontRef idx="minor"/>
       </dsp:style>
       <dsp:txBody>
-        <a:bodyPr spcFirstLastPara="0" vert="horz" wrap="square" lIns="45720" tIns="45720" rIns="45720" bIns="45720" numCol="1" spcCol="1270" anchor="ctr" anchorCtr="0">
+        <a:bodyPr spcFirstLastPara="0" vert="horz" wrap="square" lIns="39370" tIns="39370" rIns="39370" bIns="39370" numCol="1" spcCol="1270" anchor="ctr" anchorCtr="0">
           <a:noAutofit/>
         </a:bodyPr>
         <a:lstStyle/>
         <a:p>
-          <a:pPr marL="0" lvl="0" indent="0" algn="ctr" defTabSz="1600200">
+          <a:pPr marL="0" lvl="0" indent="0" algn="ctr" defTabSz="1377950">
             <a:lnSpc>
               <a:spcPct val="90000"/>
             </a:lnSpc>
@@ -3427,12 +3582,92 @@
             </a:spcAft>
             <a:buNone/>
           </a:pPr>
-          <a:endParaRPr lang="en-US" sz="3600" kern="1200"/>
+          <a:endParaRPr lang="en-US" sz="3100" kern="1200"/>
         </a:p>
       </dsp:txBody>
       <dsp:txXfrm>
-        <a:off x="5493742" y="4059907"/>
-        <a:ext cx="463778" cy="634534"/>
+        <a:off x="5296304" y="3175396"/>
+        <a:ext cx="379454" cy="519163"/>
+      </dsp:txXfrm>
+    </dsp:sp>
+    <dsp:sp modelId="{744FA8DF-BD2F-4AC6-8CAE-E3F725F06247}">
+      <dsp:nvSpPr>
+        <dsp:cNvPr id="0" name=""/>
+        <dsp:cNvSpPr/>
+      </dsp:nvSpPr>
+      <dsp:spPr>
+        <a:xfrm>
+          <a:off x="5519922" y="4396021"/>
+          <a:ext cx="689918" cy="689918"/>
+        </a:xfrm>
+        <a:prstGeom prst="downArrow">
+          <a:avLst>
+            <a:gd name="adj1" fmla="val 55000"/>
+            <a:gd name="adj2" fmla="val 45000"/>
+          </a:avLst>
+        </a:prstGeom>
+        <a:solidFill>
+          <a:schemeClr val="accent5">
+            <a:tint val="40000"/>
+            <a:alpha val="90000"/>
+            <a:hueOff val="0"/>
+            <a:satOff val="0"/>
+            <a:lumOff val="0"/>
+            <a:alphaOff val="0"/>
+          </a:schemeClr>
+        </a:solidFill>
+        <a:ln w="12700" cap="flat" cmpd="sng" algn="ctr">
+          <a:solidFill>
+            <a:schemeClr val="accent5">
+              <a:tint val="40000"/>
+              <a:alpha val="90000"/>
+              <a:hueOff val="0"/>
+              <a:satOff val="0"/>
+              <a:lumOff val="0"/>
+              <a:alphaOff val="0"/>
+            </a:schemeClr>
+          </a:solidFill>
+          <a:prstDash val="solid"/>
+          <a:miter lim="800000"/>
+        </a:ln>
+        <a:effectLst/>
+      </dsp:spPr>
+      <dsp:style>
+        <a:lnRef idx="2">
+          <a:scrgbClr r="0" g="0" b="0"/>
+        </a:lnRef>
+        <a:fillRef idx="1">
+          <a:scrgbClr r="0" g="0" b="0"/>
+        </a:fillRef>
+        <a:effectRef idx="0">
+          <a:scrgbClr r="0" g="0" b="0"/>
+        </a:effectRef>
+        <a:fontRef idx="minor"/>
+      </dsp:style>
+      <dsp:txBody>
+        <a:bodyPr spcFirstLastPara="0" vert="horz" wrap="square" lIns="39370" tIns="39370" rIns="39370" bIns="39370" numCol="1" spcCol="1270" anchor="ctr" anchorCtr="0">
+          <a:noAutofit/>
+        </a:bodyPr>
+        <a:lstStyle/>
+        <a:p>
+          <a:pPr marL="0" lvl="0" indent="0" algn="ctr" defTabSz="1377950">
+            <a:lnSpc>
+              <a:spcPct val="90000"/>
+            </a:lnSpc>
+            <a:spcBef>
+              <a:spcPct val="0"/>
+            </a:spcBef>
+            <a:spcAft>
+              <a:spcPct val="35000"/>
+            </a:spcAft>
+            <a:buNone/>
+          </a:pPr>
+          <a:endParaRPr lang="en-US" sz="3100" kern="1200"/>
+        </a:p>
+      </dsp:txBody>
+      <dsp:txXfrm>
+        <a:off x="5675154" y="4396021"/>
+        <a:ext cx="379454" cy="519163"/>
       </dsp:txXfrm>
     </dsp:sp>
   </dsp:spTree>
@@ -6960,6 +7195,598 @@
 </dgm:styleDef>
 </file>
 
+<file path=ppt/notesMasters/notesMaster1.xml><?xml version="1.0" encoding="utf-8"?>
+<p:notesMaster xmlns:a="http://schemas.openxmlformats.org/drawingml/2006/main" xmlns:r="http://schemas.openxmlformats.org/officeDocument/2006/relationships" xmlns:p="http://schemas.openxmlformats.org/presentationml/2006/main">
+  <p:cSld>
+    <p:bg>
+      <p:bgRef idx="1001">
+        <a:schemeClr val="bg1"/>
+      </p:bgRef>
+    </p:bg>
+    <p:spTree>
+      <p:nvGrpSpPr>
+        <p:cNvPr id="1" name=""/>
+        <p:cNvGrpSpPr/>
+        <p:nvPr/>
+      </p:nvGrpSpPr>
+      <p:grpSpPr>
+        <a:xfrm>
+          <a:off x="0" y="0"/>
+          <a:ext cx="0" cy="0"/>
+          <a:chOff x="0" y="0"/>
+          <a:chExt cx="0" cy="0"/>
+        </a:xfrm>
+      </p:grpSpPr>
+      <p:sp>
+        <p:nvSpPr>
+          <p:cNvPr id="2" name="Kopfzeilenplatzhalter 1"/>
+          <p:cNvSpPr>
+            <a:spLocks noGrp="1"/>
+          </p:cNvSpPr>
+          <p:nvPr>
+            <p:ph type="hdr" sz="quarter"/>
+          </p:nvPr>
+        </p:nvSpPr>
+        <p:spPr>
+          <a:xfrm>
+            <a:off x="0" y="0"/>
+            <a:ext cx="2971800" cy="458788"/>
+          </a:xfrm>
+          <a:prstGeom prst="rect">
+            <a:avLst/>
+          </a:prstGeom>
+        </p:spPr>
+        <p:txBody>
+          <a:bodyPr vert="horz" lIns="91440" tIns="45720" rIns="91440" bIns="45720" rtlCol="0"/>
+          <a:lstStyle>
+            <a:lvl1pPr algn="l">
+              <a:defRPr sz="1200"/>
+            </a:lvl1pPr>
+          </a:lstStyle>
+          <a:p>
+            <a:endParaRPr lang="de-DE"/>
+          </a:p>
+        </p:txBody>
+      </p:sp>
+      <p:sp>
+        <p:nvSpPr>
+          <p:cNvPr id="3" name="Datumsplatzhalter 2"/>
+          <p:cNvSpPr>
+            <a:spLocks noGrp="1"/>
+          </p:cNvSpPr>
+          <p:nvPr>
+            <p:ph type="dt" idx="1"/>
+          </p:nvPr>
+        </p:nvSpPr>
+        <p:spPr>
+          <a:xfrm>
+            <a:off x="3884613" y="0"/>
+            <a:ext cx="2971800" cy="458788"/>
+          </a:xfrm>
+          <a:prstGeom prst="rect">
+            <a:avLst/>
+          </a:prstGeom>
+        </p:spPr>
+        <p:txBody>
+          <a:bodyPr vert="horz" lIns="91440" tIns="45720" rIns="91440" bIns="45720" rtlCol="0"/>
+          <a:lstStyle>
+            <a:lvl1pPr algn="r">
+              <a:defRPr sz="1200"/>
+            </a:lvl1pPr>
+          </a:lstStyle>
+          <a:p>
+            <a:fld id="{D19A7625-F502-4886-BF38-9656E041D6F1}" type="datetimeFigureOut">
+              <a:rPr lang="de-DE" smtClean="0"/>
+              <a:t>12.11.2020</a:t>
+            </a:fld>
+            <a:endParaRPr lang="de-DE"/>
+          </a:p>
+        </p:txBody>
+      </p:sp>
+      <p:sp>
+        <p:nvSpPr>
+          <p:cNvPr id="4" name="Folienbildplatzhalter 3"/>
+          <p:cNvSpPr>
+            <a:spLocks noGrp="1" noRot="1" noChangeAspect="1"/>
+          </p:cNvSpPr>
+          <p:nvPr>
+            <p:ph type="sldImg" idx="2"/>
+          </p:nvPr>
+        </p:nvSpPr>
+        <p:spPr>
+          <a:xfrm>
+            <a:off x="685800" y="1143000"/>
+            <a:ext cx="5486400" cy="3086100"/>
+          </a:xfrm>
+          <a:prstGeom prst="rect">
+            <a:avLst/>
+          </a:prstGeom>
+          <a:noFill/>
+          <a:ln w="12700">
+            <a:solidFill>
+              <a:prstClr val="black"/>
+            </a:solidFill>
+          </a:ln>
+        </p:spPr>
+        <p:txBody>
+          <a:bodyPr vert="horz" lIns="91440" tIns="45720" rIns="91440" bIns="45720" rtlCol="0" anchor="ctr"/>
+          <a:lstStyle/>
+          <a:p>
+            <a:endParaRPr lang="de-DE"/>
+          </a:p>
+        </p:txBody>
+      </p:sp>
+      <p:sp>
+        <p:nvSpPr>
+          <p:cNvPr id="5" name="Notizenplatzhalter 4"/>
+          <p:cNvSpPr>
+            <a:spLocks noGrp="1"/>
+          </p:cNvSpPr>
+          <p:nvPr>
+            <p:ph type="body" sz="quarter" idx="3"/>
+          </p:nvPr>
+        </p:nvSpPr>
+        <p:spPr>
+          <a:xfrm>
+            <a:off x="685800" y="4400550"/>
+            <a:ext cx="5486400" cy="3600450"/>
+          </a:xfrm>
+          <a:prstGeom prst="rect">
+            <a:avLst/>
+          </a:prstGeom>
+        </p:spPr>
+        <p:txBody>
+          <a:bodyPr vert="horz" lIns="91440" tIns="45720" rIns="91440" bIns="45720" rtlCol="0"/>
+          <a:lstStyle/>
+          <a:p>
+            <a:pPr lvl="0"/>
+            <a:r>
+              <a:rPr lang="de-DE"/>
+              <a:t>Mastertextformat bearbeiten</a:t>
+            </a:r>
+          </a:p>
+          <a:p>
+            <a:pPr lvl="1"/>
+            <a:r>
+              <a:rPr lang="de-DE"/>
+              <a:t>Zweite Ebene</a:t>
+            </a:r>
+          </a:p>
+          <a:p>
+            <a:pPr lvl="2"/>
+            <a:r>
+              <a:rPr lang="de-DE"/>
+              <a:t>Dritte Ebene</a:t>
+            </a:r>
+          </a:p>
+          <a:p>
+            <a:pPr lvl="3"/>
+            <a:r>
+              <a:rPr lang="de-DE"/>
+              <a:t>Vierte Ebene</a:t>
+            </a:r>
+          </a:p>
+          <a:p>
+            <a:pPr lvl="4"/>
+            <a:r>
+              <a:rPr lang="de-DE"/>
+              <a:t>Fünfte Ebene</a:t>
+            </a:r>
+          </a:p>
+        </p:txBody>
+      </p:sp>
+      <p:sp>
+        <p:nvSpPr>
+          <p:cNvPr id="6" name="Fußzeilenplatzhalter 5"/>
+          <p:cNvSpPr>
+            <a:spLocks noGrp="1"/>
+          </p:cNvSpPr>
+          <p:nvPr>
+            <p:ph type="ftr" sz="quarter" idx="4"/>
+          </p:nvPr>
+        </p:nvSpPr>
+        <p:spPr>
+          <a:xfrm>
+            <a:off x="0" y="8685213"/>
+            <a:ext cx="2971800" cy="458787"/>
+          </a:xfrm>
+          <a:prstGeom prst="rect">
+            <a:avLst/>
+          </a:prstGeom>
+        </p:spPr>
+        <p:txBody>
+          <a:bodyPr vert="horz" lIns="91440" tIns="45720" rIns="91440" bIns="45720" rtlCol="0" anchor="b"/>
+          <a:lstStyle>
+            <a:lvl1pPr algn="l">
+              <a:defRPr sz="1200"/>
+            </a:lvl1pPr>
+          </a:lstStyle>
+          <a:p>
+            <a:endParaRPr lang="de-DE"/>
+          </a:p>
+        </p:txBody>
+      </p:sp>
+      <p:sp>
+        <p:nvSpPr>
+          <p:cNvPr id="7" name="Foliennummernplatzhalter 6"/>
+          <p:cNvSpPr>
+            <a:spLocks noGrp="1"/>
+          </p:cNvSpPr>
+          <p:nvPr>
+            <p:ph type="sldNum" sz="quarter" idx="5"/>
+          </p:nvPr>
+        </p:nvSpPr>
+        <p:spPr>
+          <a:xfrm>
+            <a:off x="3884613" y="8685213"/>
+            <a:ext cx="2971800" cy="458787"/>
+          </a:xfrm>
+          <a:prstGeom prst="rect">
+            <a:avLst/>
+          </a:prstGeom>
+        </p:spPr>
+        <p:txBody>
+          <a:bodyPr vert="horz" lIns="91440" tIns="45720" rIns="91440" bIns="45720" rtlCol="0" anchor="b"/>
+          <a:lstStyle>
+            <a:lvl1pPr algn="r">
+              <a:defRPr sz="1200"/>
+            </a:lvl1pPr>
+          </a:lstStyle>
+          <a:p>
+            <a:fld id="{0811B80F-AC42-418B-9D7D-7E6E2ECB6393}" type="slidenum">
+              <a:rPr lang="de-DE" smtClean="0"/>
+              <a:t>‹Nr.›</a:t>
+            </a:fld>
+            <a:endParaRPr lang="de-DE"/>
+          </a:p>
+        </p:txBody>
+      </p:sp>
+    </p:spTree>
+    <p:extLst>
+      <p:ext uri="{BB962C8B-B14F-4D97-AF65-F5344CB8AC3E}">
+        <p14:creationId xmlns:p14="http://schemas.microsoft.com/office/powerpoint/2010/main" val="1397541520"/>
+      </p:ext>
+    </p:extLst>
+  </p:cSld>
+  <p:clrMap bg1="lt1" tx1="dk1" bg2="lt2" tx2="dk2" accent1="accent1" accent2="accent2" accent3="accent3" accent4="accent4" accent5="accent5" accent6="accent6" hlink="hlink" folHlink="folHlink"/>
+  <p:notesStyle>
+    <a:lvl1pPr marL="0" algn="l" defTabSz="914400" rtl="0" eaLnBrk="1" latinLnBrk="0" hangingPunct="1">
+      <a:defRPr sz="1200" kern="1200">
+        <a:solidFill>
+          <a:schemeClr val="tx1"/>
+        </a:solidFill>
+        <a:latin typeface="+mn-lt"/>
+        <a:ea typeface="+mn-ea"/>
+        <a:cs typeface="+mn-cs"/>
+      </a:defRPr>
+    </a:lvl1pPr>
+    <a:lvl2pPr marL="457200" algn="l" defTabSz="914400" rtl="0" eaLnBrk="1" latinLnBrk="0" hangingPunct="1">
+      <a:defRPr sz="1200" kern="1200">
+        <a:solidFill>
+          <a:schemeClr val="tx1"/>
+        </a:solidFill>
+        <a:latin typeface="+mn-lt"/>
+        <a:ea typeface="+mn-ea"/>
+        <a:cs typeface="+mn-cs"/>
+      </a:defRPr>
+    </a:lvl2pPr>
+    <a:lvl3pPr marL="914400" algn="l" defTabSz="914400" rtl="0" eaLnBrk="1" latinLnBrk="0" hangingPunct="1">
+      <a:defRPr sz="1200" kern="1200">
+        <a:solidFill>
+          <a:schemeClr val="tx1"/>
+        </a:solidFill>
+        <a:latin typeface="+mn-lt"/>
+        <a:ea typeface="+mn-ea"/>
+        <a:cs typeface="+mn-cs"/>
+      </a:defRPr>
+    </a:lvl3pPr>
+    <a:lvl4pPr marL="1371600" algn="l" defTabSz="914400" rtl="0" eaLnBrk="1" latinLnBrk="0" hangingPunct="1">
+      <a:defRPr sz="1200" kern="1200">
+        <a:solidFill>
+          <a:schemeClr val="tx1"/>
+        </a:solidFill>
+        <a:latin typeface="+mn-lt"/>
+        <a:ea typeface="+mn-ea"/>
+        <a:cs typeface="+mn-cs"/>
+      </a:defRPr>
+    </a:lvl4pPr>
+    <a:lvl5pPr marL="1828800" algn="l" defTabSz="914400" rtl="0" eaLnBrk="1" latinLnBrk="0" hangingPunct="1">
+      <a:defRPr sz="1200" kern="1200">
+        <a:solidFill>
+          <a:schemeClr val="tx1"/>
+        </a:solidFill>
+        <a:latin typeface="+mn-lt"/>
+        <a:ea typeface="+mn-ea"/>
+        <a:cs typeface="+mn-cs"/>
+      </a:defRPr>
+    </a:lvl5pPr>
+    <a:lvl6pPr marL="2286000" algn="l" defTabSz="914400" rtl="0" eaLnBrk="1" latinLnBrk="0" hangingPunct="1">
+      <a:defRPr sz="1200" kern="1200">
+        <a:solidFill>
+          <a:schemeClr val="tx1"/>
+        </a:solidFill>
+        <a:latin typeface="+mn-lt"/>
+        <a:ea typeface="+mn-ea"/>
+        <a:cs typeface="+mn-cs"/>
+      </a:defRPr>
+    </a:lvl6pPr>
+    <a:lvl7pPr marL="2743200" algn="l" defTabSz="914400" rtl="0" eaLnBrk="1" latinLnBrk="0" hangingPunct="1">
+      <a:defRPr sz="1200" kern="1200">
+        <a:solidFill>
+          <a:schemeClr val="tx1"/>
+        </a:solidFill>
+        <a:latin typeface="+mn-lt"/>
+        <a:ea typeface="+mn-ea"/>
+        <a:cs typeface="+mn-cs"/>
+      </a:defRPr>
+    </a:lvl7pPr>
+    <a:lvl8pPr marL="3200400" algn="l" defTabSz="914400" rtl="0" eaLnBrk="1" latinLnBrk="0" hangingPunct="1">
+      <a:defRPr sz="1200" kern="1200">
+        <a:solidFill>
+          <a:schemeClr val="tx1"/>
+        </a:solidFill>
+        <a:latin typeface="+mn-lt"/>
+        <a:ea typeface="+mn-ea"/>
+        <a:cs typeface="+mn-cs"/>
+      </a:defRPr>
+    </a:lvl8pPr>
+    <a:lvl9pPr marL="3657600" algn="l" defTabSz="914400" rtl="0" eaLnBrk="1" latinLnBrk="0" hangingPunct="1">
+      <a:defRPr sz="1200" kern="1200">
+        <a:solidFill>
+          <a:schemeClr val="tx1"/>
+        </a:solidFill>
+        <a:latin typeface="+mn-lt"/>
+        <a:ea typeface="+mn-ea"/>
+        <a:cs typeface="+mn-cs"/>
+      </a:defRPr>
+    </a:lvl9pPr>
+  </p:notesStyle>
+</p:notesMaster>
+</file>
+
+<file path=ppt/notesSlides/notesSlide1.xml><?xml version="1.0" encoding="utf-8"?>
+<p:notes xmlns:a="http://schemas.openxmlformats.org/drawingml/2006/main" xmlns:r="http://schemas.openxmlformats.org/officeDocument/2006/relationships" xmlns:p="http://schemas.openxmlformats.org/presentationml/2006/main">
+  <p:cSld>
+    <p:spTree>
+      <p:nvGrpSpPr>
+        <p:cNvPr id="1" name=""/>
+        <p:cNvGrpSpPr/>
+        <p:nvPr/>
+      </p:nvGrpSpPr>
+      <p:grpSpPr>
+        <a:xfrm>
+          <a:off x="0" y="0"/>
+          <a:ext cx="0" cy="0"/>
+          <a:chOff x="0" y="0"/>
+          <a:chExt cx="0" cy="0"/>
+        </a:xfrm>
+      </p:grpSpPr>
+      <p:sp>
+        <p:nvSpPr>
+          <p:cNvPr id="2" name="Folienbildplatzhalter 1"/>
+          <p:cNvSpPr>
+            <a:spLocks noGrp="1" noRot="1" noChangeAspect="1"/>
+          </p:cNvSpPr>
+          <p:nvPr>
+            <p:ph type="sldImg"/>
+          </p:nvPr>
+        </p:nvSpPr>
+        <p:spPr/>
+      </p:sp>
+      <p:sp>
+        <p:nvSpPr>
+          <p:cNvPr id="3" name="Notizenplatzhalter 2"/>
+          <p:cNvSpPr>
+            <a:spLocks noGrp="1"/>
+          </p:cNvSpPr>
+          <p:nvPr>
+            <p:ph type="body" idx="1"/>
+          </p:nvPr>
+        </p:nvSpPr>
+        <p:spPr/>
+        <p:txBody>
+          <a:bodyPr/>
+          <a:lstStyle/>
+          <a:p>
+            <a:endParaRPr lang="de-DE" dirty="0"/>
+          </a:p>
+        </p:txBody>
+      </p:sp>
+      <p:sp>
+        <p:nvSpPr>
+          <p:cNvPr id="4" name="Foliennummernplatzhalter 3"/>
+          <p:cNvSpPr>
+            <a:spLocks noGrp="1"/>
+          </p:cNvSpPr>
+          <p:nvPr>
+            <p:ph type="sldNum" sz="quarter" idx="5"/>
+          </p:nvPr>
+        </p:nvSpPr>
+        <p:spPr/>
+        <p:txBody>
+          <a:bodyPr/>
+          <a:lstStyle/>
+          <a:p>
+            <a:fld id="{0811B80F-AC42-418B-9D7D-7E6E2ECB6393}" type="slidenum">
+              <a:rPr lang="de-DE" smtClean="0"/>
+              <a:t>5</a:t>
+            </a:fld>
+            <a:endParaRPr lang="de-DE"/>
+          </a:p>
+        </p:txBody>
+      </p:sp>
+    </p:spTree>
+    <p:extLst>
+      <p:ext uri="{BB962C8B-B14F-4D97-AF65-F5344CB8AC3E}">
+        <p14:creationId xmlns:p14="http://schemas.microsoft.com/office/powerpoint/2010/main" val="85960612"/>
+      </p:ext>
+    </p:extLst>
+  </p:cSld>
+  <p:clrMapOvr>
+    <a:masterClrMapping/>
+  </p:clrMapOvr>
+</p:notes>
+</file>
+
+<file path=ppt/notesSlides/notesSlide2.xml><?xml version="1.0" encoding="utf-8"?>
+<p:notes xmlns:a="http://schemas.openxmlformats.org/drawingml/2006/main" xmlns:r="http://schemas.openxmlformats.org/officeDocument/2006/relationships" xmlns:p="http://schemas.openxmlformats.org/presentationml/2006/main">
+  <p:cSld>
+    <p:spTree>
+      <p:nvGrpSpPr>
+        <p:cNvPr id="1" name=""/>
+        <p:cNvGrpSpPr/>
+        <p:nvPr/>
+      </p:nvGrpSpPr>
+      <p:grpSpPr>
+        <a:xfrm>
+          <a:off x="0" y="0"/>
+          <a:ext cx="0" cy="0"/>
+          <a:chOff x="0" y="0"/>
+          <a:chExt cx="0" cy="0"/>
+        </a:xfrm>
+      </p:grpSpPr>
+      <p:sp>
+        <p:nvSpPr>
+          <p:cNvPr id="2" name="Folienbildplatzhalter 1"/>
+          <p:cNvSpPr>
+            <a:spLocks noGrp="1" noRot="1" noChangeAspect="1"/>
+          </p:cNvSpPr>
+          <p:nvPr>
+            <p:ph type="sldImg"/>
+          </p:nvPr>
+        </p:nvSpPr>
+        <p:spPr/>
+      </p:sp>
+      <p:sp>
+        <p:nvSpPr>
+          <p:cNvPr id="3" name="Notizenplatzhalter 2"/>
+          <p:cNvSpPr>
+            <a:spLocks noGrp="1"/>
+          </p:cNvSpPr>
+          <p:nvPr>
+            <p:ph type="body" idx="1"/>
+          </p:nvPr>
+        </p:nvSpPr>
+        <p:spPr/>
+        <p:txBody>
+          <a:bodyPr/>
+          <a:lstStyle/>
+          <a:p>
+            <a:r>
+              <a:rPr lang="de-DE" dirty="0"/>
+              <a:t>Mailperson just </a:t>
+            </a:r>
+            <a:r>
+              <a:rPr lang="de-DE" dirty="0" err="1"/>
+              <a:t>responsible</a:t>
+            </a:r>
+            <a:r>
+              <a:rPr lang="de-DE" dirty="0"/>
+              <a:t> </a:t>
+            </a:r>
+            <a:r>
+              <a:rPr lang="de-DE" dirty="0" err="1"/>
+              <a:t>for</a:t>
+            </a:r>
+            <a:r>
+              <a:rPr lang="de-DE" dirty="0"/>
+              <a:t> </a:t>
+            </a:r>
+            <a:r>
+              <a:rPr lang="de-DE" dirty="0" err="1"/>
+              <a:t>communication</a:t>
+            </a:r>
+            <a:r>
+              <a:rPr lang="de-DE" dirty="0"/>
+              <a:t> </a:t>
+            </a:r>
+            <a:r>
+              <a:rPr lang="de-DE" dirty="0" err="1"/>
+              <a:t>regarding</a:t>
+            </a:r>
+            <a:r>
+              <a:rPr lang="de-DE" dirty="0"/>
+              <a:t> </a:t>
+            </a:r>
+            <a:r>
+              <a:rPr lang="de-DE" dirty="0" err="1"/>
+              <a:t>team</a:t>
+            </a:r>
+            <a:r>
+              <a:rPr lang="de-DE" dirty="0"/>
+              <a:t> </a:t>
+            </a:r>
+            <a:r>
+              <a:rPr lang="de-DE" dirty="0" err="1"/>
+              <a:t>issues</a:t>
+            </a:r>
+            <a:r>
+              <a:rPr lang="de-DE" dirty="0"/>
+              <a:t> </a:t>
+            </a:r>
+            <a:r>
+              <a:rPr lang="de-DE" dirty="0" err="1"/>
+              <a:t>or</a:t>
+            </a:r>
+            <a:r>
+              <a:rPr lang="de-DE" dirty="0"/>
+              <a:t> also </a:t>
+            </a:r>
+            <a:r>
+              <a:rPr lang="de-DE" dirty="0" err="1"/>
+              <a:t>for</a:t>
+            </a:r>
+            <a:r>
+              <a:rPr lang="de-DE" dirty="0"/>
+              <a:t> </a:t>
+            </a:r>
+            <a:r>
+              <a:rPr lang="de-DE" dirty="0" err="1"/>
+              <a:t>tech</a:t>
+            </a:r>
+            <a:r>
+              <a:rPr lang="de-DE" dirty="0"/>
+              <a:t> support</a:t>
+            </a:r>
+          </a:p>
+        </p:txBody>
+      </p:sp>
+      <p:sp>
+        <p:nvSpPr>
+          <p:cNvPr id="4" name="Foliennummernplatzhalter 3"/>
+          <p:cNvSpPr>
+            <a:spLocks noGrp="1"/>
+          </p:cNvSpPr>
+          <p:nvPr>
+            <p:ph type="sldNum" sz="quarter" idx="5"/>
+          </p:nvPr>
+        </p:nvSpPr>
+        <p:spPr/>
+        <p:txBody>
+          <a:bodyPr/>
+          <a:lstStyle/>
+          <a:p>
+            <a:fld id="{0811B80F-AC42-418B-9D7D-7E6E2ECB6393}" type="slidenum">
+              <a:rPr lang="de-DE" smtClean="0"/>
+              <a:t>8</a:t>
+            </a:fld>
+            <a:endParaRPr lang="de-DE"/>
+          </a:p>
+        </p:txBody>
+      </p:sp>
+    </p:spTree>
+    <p:extLst>
+      <p:ext uri="{BB962C8B-B14F-4D97-AF65-F5344CB8AC3E}">
+        <p14:creationId xmlns:p14="http://schemas.microsoft.com/office/powerpoint/2010/main" val="1144586576"/>
+      </p:ext>
+    </p:extLst>
+  </p:cSld>
+  <p:clrMapOvr>
+    <a:masterClrMapping/>
+  </p:clrMapOvr>
+</p:notes>
+</file>
+
 <file path=ppt/slideLayouts/slideLayout1.xml><?xml version="1.0" encoding="utf-8"?>
 <p:sldLayout xmlns:a="http://schemas.openxmlformats.org/drawingml/2006/main" xmlns:r="http://schemas.openxmlformats.org/officeDocument/2006/relationships" xmlns:p="http://schemas.openxmlformats.org/presentationml/2006/main" type="title" preserve="1">
   <p:cSld name="Titelfolie">
@@ -10907,7 +11734,7 @@
             <p:ph idx="1"/>
             <p:extLst>
               <p:ext uri="{D42A27DB-BD31-4B8C-83A1-F6EECF244321}">
-                <p14:modId xmlns:p14="http://schemas.microsoft.com/office/powerpoint/2010/main" val="2477143717"/>
+                <p14:modId xmlns:p14="http://schemas.microsoft.com/office/powerpoint/2010/main" val="3743728103"/>
               </p:ext>
             </p:extLst>
           </p:nvPr>
@@ -10995,7 +11822,7 @@
               <a:rPr lang="sv-SE" dirty="0">
                 <a:sym typeface="Arial" charset="0"/>
               </a:rPr>
-              <a:t>Agenda</a:t>
+              <a:t>Mailperson	</a:t>
             </a:r>
             <a:endParaRPr lang="sv-SE" dirty="0"/>
           </a:p>
@@ -11019,209 +11846,269 @@
           <a:lstStyle/>
           <a:p>
             <a:r>
-              <a:rPr lang="sv-SE" dirty="0" err="1">
+              <a:rPr lang="sv-SE" dirty="0">
                 <a:sym typeface="Georgia" charset="0"/>
               </a:rPr>
-              <a:t>Pincturi</a:t>
+              <a:t>Andreas Mäkilä</a:t>
             </a:r>
+          </a:p>
+          <a:p>
+            <a:pPr lvl="1"/>
             <a:r>
               <a:rPr lang="sv-SE" dirty="0">
                 <a:sym typeface="Georgia" charset="0"/>
               </a:rPr>
-              <a:t> </a:t>
+              <a:t>ama17002@student.mdh.se</a:t>
             </a:r>
+          </a:p>
+        </p:txBody>
+      </p:sp>
+    </p:spTree>
+    <p:extLst>
+      <p:ext uri="{BB962C8B-B14F-4D97-AF65-F5344CB8AC3E}">
+        <p14:creationId xmlns:p14="http://schemas.microsoft.com/office/powerpoint/2010/main" val="2988927112"/>
+      </p:ext>
+    </p:extLst>
+  </p:cSld>
+  <p:clrMapOvr>
+    <a:masterClrMapping/>
+  </p:clrMapOvr>
+</p:sld>
+</file>
+
+<file path=ppt/slides/slide4.xml><?xml version="1.0" encoding="utf-8"?>
+<p:sld xmlns:a="http://schemas.openxmlformats.org/drawingml/2006/main" xmlns:r="http://schemas.openxmlformats.org/officeDocument/2006/relationships" xmlns:p="http://schemas.openxmlformats.org/presentationml/2006/main">
+  <p:cSld>
+    <p:spTree>
+      <p:nvGrpSpPr>
+        <p:cNvPr id="1" name=""/>
+        <p:cNvGrpSpPr/>
+        <p:nvPr/>
+      </p:nvGrpSpPr>
+      <p:grpSpPr>
+        <a:xfrm>
+          <a:off x="0" y="0"/>
+          <a:ext cx="0" cy="0"/>
+          <a:chOff x="0" y="0"/>
+          <a:chExt cx="0" cy="0"/>
+        </a:xfrm>
+      </p:grpSpPr>
+      <p:sp>
+        <p:nvSpPr>
+          <p:cNvPr id="3" name="Platshållare för bildnummer 2"/>
+          <p:cNvSpPr>
+            <a:spLocks noGrp="1"/>
+          </p:cNvSpPr>
+          <p:nvPr>
+            <p:ph type="sldNum" sz="quarter" idx="12"/>
+          </p:nvPr>
+        </p:nvSpPr>
+        <p:spPr/>
+        <p:txBody>
+          <a:bodyPr/>
+          <a:lstStyle/>
+          <a:p>
+            <a:fld id="{E21FFC3D-594F-4CAE-AAA5-4C3555641468}" type="slidenum">
+              <a:rPr lang="sv-SE" smtClean="0"/>
+              <a:pPr/>
+              <a:t>4</a:t>
+            </a:fld>
+            <a:endParaRPr lang="sv-SE" dirty="0"/>
+          </a:p>
+        </p:txBody>
+      </p:sp>
+      <p:sp>
+        <p:nvSpPr>
+          <p:cNvPr id="2" name="Rubrik 1"/>
+          <p:cNvSpPr>
+            <a:spLocks noGrp="1"/>
+          </p:cNvSpPr>
+          <p:nvPr>
+            <p:ph type="title"/>
+          </p:nvPr>
+        </p:nvSpPr>
+        <p:spPr/>
+        <p:txBody>
+          <a:bodyPr/>
+          <a:lstStyle/>
+          <a:p>
             <a:r>
-              <a:rPr lang="sv-SE" dirty="0" err="1">
-                <a:sym typeface="Georgia" charset="0"/>
+              <a:rPr lang="sv-SE" dirty="0">
+                <a:sym typeface="Arial" charset="0"/>
               </a:rPr>
-              <a:t>conse</a:t>
+              <a:t>Selected Tools</a:t>
             </a:r>
+            <a:endParaRPr lang="sv-SE" dirty="0"/>
+          </a:p>
+        </p:txBody>
+      </p:sp>
+      <p:sp>
+        <p:nvSpPr>
+          <p:cNvPr id="4" name="Platshållare för text 3"/>
+          <p:cNvSpPr>
+            <a:spLocks noGrp="1"/>
+          </p:cNvSpPr>
+          <p:nvPr>
+            <p:ph idx="1"/>
+          </p:nvPr>
+        </p:nvSpPr>
+        <p:spPr/>
+        <p:txBody>
+          <a:bodyPr>
+            <a:normAutofit fontScale="55000" lnSpcReduction="20000"/>
+          </a:bodyPr>
+          <a:lstStyle/>
+          <a:p>
             <a:r>
               <a:rPr lang="sv-SE" dirty="0">
                 <a:sym typeface="Georgia" charset="0"/>
               </a:rPr>
-              <a:t> </a:t>
+              <a:t>Project Management / Timeplan / Todos</a:t>
             </a:r>
-            <a:r>
-              <a:rPr lang="sv-SE" dirty="0" err="1">
-                <a:sym typeface="Georgia" charset="0"/>
-              </a:rPr>
-              <a:t>rectemp</a:t>
-            </a:r>
+          </a:p>
+          <a:p>
+            <a:pPr lvl="1"/>
             <a:r>
               <a:rPr lang="sv-SE" dirty="0">
                 <a:sym typeface="Georgia" charset="0"/>
               </a:rPr>
-              <a:t> </a:t>
+              <a:t>Leantime</a:t>
             </a:r>
-            <a:r>
-              <a:rPr lang="sv-SE" dirty="0" err="1">
-                <a:sym typeface="Georgia" charset="0"/>
-              </a:rPr>
-              <a:t>ersper</a:t>
-            </a:r>
+          </a:p>
+          <a:p>
+            <a:pPr lvl="1"/>
             <a:r>
               <a:rPr lang="sv-SE" dirty="0">
                 <a:sym typeface="Georgia" charset="0"/>
               </a:rPr>
-              <a:t>.</a:t>
+              <a:t>Github Project</a:t>
             </a:r>
           </a:p>
           <a:p>
-            <a:r>
-              <a:rPr lang="sv-SE" dirty="0" err="1">
-                <a:sym typeface="Georgia" charset="0"/>
-              </a:rPr>
-              <a:t>Pincturi</a:t>
-            </a:r>
+            <a:pPr lvl="1"/>
             <a:r>
               <a:rPr lang="sv-SE" dirty="0">
                 <a:sym typeface="Georgia" charset="0"/>
               </a:rPr>
-              <a:t> </a:t>
+              <a:t>ProjectLibre</a:t>
             </a:r>
-            <a:r>
-              <a:rPr lang="sv-SE" dirty="0" err="1">
-                <a:sym typeface="Georgia" charset="0"/>
-              </a:rPr>
-              <a:t>conse</a:t>
-            </a:r>
+          </a:p>
+          <a:p>
             <a:r>
               <a:rPr lang="sv-SE" dirty="0">
                 <a:sym typeface="Georgia" charset="0"/>
               </a:rPr>
-              <a:t> </a:t>
+              <a:t>Requirments / Testcases / Design</a:t>
             </a:r>
-            <a:r>
-              <a:rPr lang="sv-SE" dirty="0" err="1">
-                <a:sym typeface="Georgia" charset="0"/>
-              </a:rPr>
-              <a:t>rectemp</a:t>
-            </a:r>
+          </a:p>
+          <a:p>
+            <a:pPr lvl="1"/>
             <a:r>
               <a:rPr lang="sv-SE" dirty="0">
                 <a:sym typeface="Georgia" charset="0"/>
               </a:rPr>
-              <a:t> </a:t>
+              <a:t>OSRMTS</a:t>
             </a:r>
-            <a:r>
-              <a:rPr lang="sv-SE" dirty="0" err="1">
-                <a:sym typeface="Georgia" charset="0"/>
-              </a:rPr>
-              <a:t>ersper</a:t>
-            </a:r>
+          </a:p>
+          <a:p>
             <a:r>
               <a:rPr lang="sv-SE" dirty="0">
                 <a:sym typeface="Georgia" charset="0"/>
               </a:rPr>
-              <a:t>.</a:t>
+              <a:t>Versioning</a:t>
             </a:r>
           </a:p>
           <a:p>
-            <a:r>
-              <a:rPr lang="sv-SE" dirty="0" err="1">
-                <a:sym typeface="Georgia" charset="0"/>
-              </a:rPr>
-              <a:t>Pincturi</a:t>
-            </a:r>
+            <a:pPr lvl="1"/>
             <a:r>
               <a:rPr lang="sv-SE" dirty="0">
                 <a:sym typeface="Georgia" charset="0"/>
               </a:rPr>
-              <a:t> </a:t>
+              <a:t>Git</a:t>
             </a:r>
-            <a:r>
-              <a:rPr lang="sv-SE" dirty="0" err="1">
-                <a:sym typeface="Georgia" charset="0"/>
-              </a:rPr>
-              <a:t>conse</a:t>
-            </a:r>
+          </a:p>
+          <a:p>
             <a:r>
               <a:rPr lang="sv-SE" dirty="0">
                 <a:sym typeface="Georgia" charset="0"/>
               </a:rPr>
-              <a:t> </a:t>
+              <a:t>Reporting / Writing Reports</a:t>
             </a:r>
-            <a:r>
-              <a:rPr lang="sv-SE" dirty="0" err="1">
-                <a:sym typeface="Georgia" charset="0"/>
-              </a:rPr>
-              <a:t>rectemp</a:t>
-            </a:r>
+          </a:p>
+          <a:p>
+            <a:pPr lvl="1"/>
             <a:r>
               <a:rPr lang="sv-SE" dirty="0">
                 <a:sym typeface="Georgia" charset="0"/>
               </a:rPr>
-              <a:t> </a:t>
+              <a:t>Overleaf -&gt; Andreas is the host</a:t>
             </a:r>
-            <a:r>
-              <a:rPr lang="sv-SE" dirty="0" err="1">
-                <a:sym typeface="Georgia" charset="0"/>
-              </a:rPr>
-              <a:t>ersper</a:t>
-            </a:r>
+          </a:p>
+          <a:p>
             <a:r>
               <a:rPr lang="sv-SE" dirty="0">
                 <a:sym typeface="Georgia" charset="0"/>
               </a:rPr>
-              <a:t>.</a:t>
+              <a:t>Programming</a:t>
             </a:r>
           </a:p>
           <a:p>
-            <a:r>
-              <a:rPr lang="sv-SE" dirty="0" err="1">
-                <a:sym typeface="Georgia" charset="0"/>
-              </a:rPr>
-              <a:t>Pincturi</a:t>
-            </a:r>
+            <a:pPr lvl="1"/>
             <a:r>
               <a:rPr lang="sv-SE" dirty="0">
                 <a:sym typeface="Georgia" charset="0"/>
               </a:rPr>
-              <a:t> </a:t>
+              <a:t>Tera term (Terminal)</a:t>
             </a:r>
-            <a:r>
-              <a:rPr lang="sv-SE" dirty="0" err="1">
-                <a:sym typeface="Georgia" charset="0"/>
-              </a:rPr>
-              <a:t>conse</a:t>
-            </a:r>
+          </a:p>
+          <a:p>
+            <a:pPr lvl="1"/>
             <a:r>
               <a:rPr lang="sv-SE" dirty="0">
                 <a:sym typeface="Georgia" charset="0"/>
               </a:rPr>
-              <a:t> </a:t>
+              <a:t>Atmel Studio</a:t>
             </a:r>
-            <a:r>
-              <a:rPr lang="sv-SE" dirty="0" err="1">
-                <a:sym typeface="Georgia" charset="0"/>
-              </a:rPr>
-              <a:t>rectemp</a:t>
-            </a:r>
+          </a:p>
+          <a:p>
+            <a:pPr lvl="1"/>
             <a:r>
               <a:rPr lang="sv-SE" dirty="0">
                 <a:sym typeface="Georgia" charset="0"/>
               </a:rPr>
-              <a:t> </a:t>
+              <a:t>Local Computer of Andreas setup with RDP</a:t>
             </a:r>
-            <a:r>
-              <a:rPr lang="sv-SE" dirty="0" err="1">
-                <a:sym typeface="Georgia" charset="0"/>
-              </a:rPr>
-              <a:t>ersper</a:t>
-            </a:r>
+          </a:p>
+          <a:p>
             <a:r>
               <a:rPr lang="sv-SE" dirty="0">
                 <a:sym typeface="Georgia" charset="0"/>
               </a:rPr>
-              <a:t>.</a:t>
+              <a:t>Communication</a:t>
             </a:r>
           </a:p>
           <a:p>
-            <a:pPr marL="0" indent="0">
-              <a:buNone/>
-            </a:pPr>
-            <a:endParaRPr lang="sv-SE" dirty="0"/>
+            <a:pPr lvl="1"/>
+            <a:r>
+              <a:rPr lang="sv-SE" dirty="0">
+                <a:sym typeface="Georgia" charset="0"/>
+              </a:rPr>
+              <a:t>Troubleshooting: Microsoft Teams</a:t>
+            </a:r>
+          </a:p>
+          <a:p>
+            <a:pPr lvl="1"/>
+            <a:r>
+              <a:rPr lang="sv-SE" dirty="0">
+                <a:sym typeface="Georgia" charset="0"/>
+              </a:rPr>
+              <a:t>Talking/Meeting: Discord</a:t>
+            </a:r>
+          </a:p>
+          <a:p>
+            <a:endParaRPr lang="sv-SE" dirty="0">
+              <a:sym typeface="Georgia" charset="0"/>
+            </a:endParaRPr>
           </a:p>
         </p:txBody>
       </p:sp>
@@ -11229,6 +12116,857 @@
     <p:extLst>
       <p:ext uri="{BB962C8B-B14F-4D97-AF65-F5344CB8AC3E}">
         <p14:creationId xmlns:p14="http://schemas.microsoft.com/office/powerpoint/2010/main" val="2559858598"/>
+      </p:ext>
+    </p:extLst>
+  </p:cSld>
+  <p:clrMapOvr>
+    <a:masterClrMapping/>
+  </p:clrMapOvr>
+</p:sld>
+</file>
+
+<file path=ppt/slides/slide5.xml><?xml version="1.0" encoding="utf-8"?>
+<p:sld xmlns:a="http://schemas.openxmlformats.org/drawingml/2006/main" xmlns:r="http://schemas.openxmlformats.org/officeDocument/2006/relationships" xmlns:p="http://schemas.openxmlformats.org/presentationml/2006/main">
+  <p:cSld>
+    <p:spTree>
+      <p:nvGrpSpPr>
+        <p:cNvPr id="1" name=""/>
+        <p:cNvGrpSpPr/>
+        <p:nvPr/>
+      </p:nvGrpSpPr>
+      <p:grpSpPr>
+        <a:xfrm>
+          <a:off x="0" y="0"/>
+          <a:ext cx="0" cy="0"/>
+          <a:chOff x="0" y="0"/>
+          <a:chExt cx="0" cy="0"/>
+        </a:xfrm>
+      </p:grpSpPr>
+      <p:sp>
+        <p:nvSpPr>
+          <p:cNvPr id="3" name="Platshållare för bildnummer 2"/>
+          <p:cNvSpPr>
+            <a:spLocks noGrp="1"/>
+          </p:cNvSpPr>
+          <p:nvPr>
+            <p:ph type="sldNum" sz="quarter" idx="12"/>
+          </p:nvPr>
+        </p:nvSpPr>
+        <p:spPr/>
+        <p:txBody>
+          <a:bodyPr/>
+          <a:lstStyle/>
+          <a:p>
+            <a:fld id="{E21FFC3D-594F-4CAE-AAA5-4C3555641468}" type="slidenum">
+              <a:rPr lang="sv-SE" smtClean="0"/>
+              <a:pPr/>
+              <a:t>5</a:t>
+            </a:fld>
+            <a:endParaRPr lang="sv-SE" dirty="0"/>
+          </a:p>
+        </p:txBody>
+      </p:sp>
+      <p:sp>
+        <p:nvSpPr>
+          <p:cNvPr id="2" name="Rubrik 1"/>
+          <p:cNvSpPr>
+            <a:spLocks noGrp="1"/>
+          </p:cNvSpPr>
+          <p:nvPr>
+            <p:ph type="title"/>
+          </p:nvPr>
+        </p:nvSpPr>
+        <p:spPr/>
+        <p:txBody>
+          <a:bodyPr/>
+          <a:lstStyle/>
+          <a:p>
+            <a:r>
+              <a:rPr lang="sv-SE" dirty="0">
+                <a:sym typeface="Arial" charset="0"/>
+              </a:rPr>
+              <a:t>Roles and Rotation		</a:t>
+            </a:r>
+            <a:endParaRPr lang="sv-SE" dirty="0"/>
+          </a:p>
+        </p:txBody>
+      </p:sp>
+      <p:graphicFrame>
+        <p:nvGraphicFramePr>
+          <p:cNvPr id="5" name="Tabelle 5">
+            <a:extLst>
+              <a:ext uri="{FF2B5EF4-FFF2-40B4-BE49-F238E27FC236}">
+                <a16:creationId xmlns:a16="http://schemas.microsoft.com/office/drawing/2014/main" id="{93025B60-22CD-4334-A90D-1D32A6C7AA9F}"/>
+              </a:ext>
+            </a:extLst>
+          </p:cNvPr>
+          <p:cNvGraphicFramePr>
+            <a:graphicFrameLocks noGrp="1"/>
+          </p:cNvGraphicFramePr>
+          <p:nvPr>
+            <p:extLst>
+              <p:ext uri="{D42A27DB-BD31-4B8C-83A1-F6EECF244321}">
+                <p14:modId xmlns:p14="http://schemas.microsoft.com/office/powerpoint/2010/main" val="1529227522"/>
+              </p:ext>
+            </p:extLst>
+          </p:nvPr>
+        </p:nvGraphicFramePr>
+        <p:xfrm>
+          <a:off x="878681" y="1736527"/>
+          <a:ext cx="10565604" cy="4535686"/>
+        </p:xfrm>
+        <a:graphic>
+          <a:graphicData uri="http://schemas.openxmlformats.org/drawingml/2006/table">
+            <a:tbl>
+              <a:tblPr firstRow="1" bandRow="1">
+                <a:tableStyleId>{21E4AEA4-8DFA-4A89-87EB-49C32662AFE0}</a:tableStyleId>
+              </a:tblPr>
+              <a:tblGrid>
+                <a:gridCol w="2641401">
+                  <a:extLst>
+                    <a:ext uri="{9D8B030D-6E8A-4147-A177-3AD203B41FA5}">
+                      <a16:colId xmlns:a16="http://schemas.microsoft.com/office/drawing/2014/main" val="2471870216"/>
+                    </a:ext>
+                  </a:extLst>
+                </a:gridCol>
+                <a:gridCol w="2641401">
+                  <a:extLst>
+                    <a:ext uri="{9D8B030D-6E8A-4147-A177-3AD203B41FA5}">
+                      <a16:colId xmlns:a16="http://schemas.microsoft.com/office/drawing/2014/main" val="570813935"/>
+                    </a:ext>
+                  </a:extLst>
+                </a:gridCol>
+                <a:gridCol w="2641401">
+                  <a:extLst>
+                    <a:ext uri="{9D8B030D-6E8A-4147-A177-3AD203B41FA5}">
+                      <a16:colId xmlns:a16="http://schemas.microsoft.com/office/drawing/2014/main" val="142428202"/>
+                    </a:ext>
+                  </a:extLst>
+                </a:gridCol>
+                <a:gridCol w="2641401">
+                  <a:extLst>
+                    <a:ext uri="{9D8B030D-6E8A-4147-A177-3AD203B41FA5}">
+                      <a16:colId xmlns:a16="http://schemas.microsoft.com/office/drawing/2014/main" val="1426387440"/>
+                    </a:ext>
+                  </a:extLst>
+                </a:gridCol>
+              </a:tblGrid>
+              <a:tr h="693354">
+                <a:tc>
+                  <a:txBody>
+                    <a:bodyPr/>
+                    <a:lstStyle/>
+                    <a:p>
+                      <a:r>
+                        <a:rPr lang="de-DE" dirty="0" err="1"/>
+                        <a:t>Role</a:t>
+                      </a:r>
+                      <a:endParaRPr lang="de-DE" dirty="0"/>
+                    </a:p>
+                  </a:txBody>
+                  <a:tcPr/>
+                </a:tc>
+                <a:tc>
+                  <a:txBody>
+                    <a:bodyPr/>
+                    <a:lstStyle/>
+                    <a:p>
+                      <a:r>
+                        <a:rPr lang="de-DE" dirty="0" err="1"/>
+                        <a:t>Responsibilities</a:t>
+                      </a:r>
+                      <a:endParaRPr lang="de-DE" dirty="0"/>
+                    </a:p>
+                  </a:txBody>
+                  <a:tcPr/>
+                </a:tc>
+                <a:tc>
+                  <a:txBody>
+                    <a:bodyPr/>
+                    <a:lstStyle/>
+                    <a:p>
+                      <a:r>
+                        <a:rPr lang="de-DE" dirty="0"/>
+                        <a:t>Startperson</a:t>
+                      </a:r>
+                    </a:p>
+                  </a:txBody>
+                  <a:tcPr/>
+                </a:tc>
+                <a:tc>
+                  <a:txBody>
+                    <a:bodyPr/>
+                    <a:lstStyle/>
+                    <a:p>
+                      <a:r>
+                        <a:rPr lang="de-DE" dirty="0"/>
+                        <a:t>Rotation</a:t>
+                      </a:r>
+                    </a:p>
+                  </a:txBody>
+                  <a:tcPr/>
+                </a:tc>
+                <a:extLst>
+                  <a:ext uri="{0D108BD9-81ED-4DB2-BD59-A6C34878D82A}">
+                    <a16:rowId xmlns:a16="http://schemas.microsoft.com/office/drawing/2014/main" val="2146595533"/>
+                  </a:ext>
+                </a:extLst>
+              </a:tr>
+              <a:tr h="702983">
+                <a:tc>
+                  <a:txBody>
+                    <a:bodyPr/>
+                    <a:lstStyle/>
+                    <a:p>
+                      <a:r>
+                        <a:rPr lang="de-DE" dirty="0"/>
+                        <a:t>Project Leader</a:t>
+                      </a:r>
+                    </a:p>
+                  </a:txBody>
+                  <a:tcPr/>
+                </a:tc>
+                <a:tc>
+                  <a:txBody>
+                    <a:bodyPr/>
+                    <a:lstStyle/>
+                    <a:p>
+                      <a:r>
+                        <a:rPr lang="de-DE" dirty="0"/>
+                        <a:t>Kanban Master, Schedule, </a:t>
+                      </a:r>
+                      <a:r>
+                        <a:rPr lang="de-DE" dirty="0" err="1"/>
+                        <a:t>keep</a:t>
+                      </a:r>
+                      <a:r>
+                        <a:rPr lang="de-DE" dirty="0"/>
+                        <a:t> track </a:t>
+                      </a:r>
+                      <a:r>
+                        <a:rPr lang="de-DE" dirty="0" err="1"/>
+                        <a:t>over</a:t>
+                      </a:r>
+                      <a:r>
+                        <a:rPr lang="de-DE" dirty="0"/>
+                        <a:t> </a:t>
+                      </a:r>
+                      <a:r>
+                        <a:rPr lang="de-DE" dirty="0" err="1"/>
+                        <a:t>the</a:t>
+                      </a:r>
+                      <a:r>
+                        <a:rPr lang="de-DE" dirty="0"/>
+                        <a:t> </a:t>
+                      </a:r>
+                      <a:r>
+                        <a:rPr lang="de-DE" dirty="0" err="1"/>
+                        <a:t>tools</a:t>
+                      </a:r>
+                      <a:endParaRPr lang="de-DE" dirty="0"/>
+                    </a:p>
+                  </a:txBody>
+                  <a:tcPr/>
+                </a:tc>
+                <a:tc>
+                  <a:txBody>
+                    <a:bodyPr/>
+                    <a:lstStyle/>
+                    <a:p>
+                      <a:r>
+                        <a:rPr lang="de-DE" dirty="0"/>
+                        <a:t>Lukas Dust</a:t>
+                      </a:r>
+                    </a:p>
+                  </a:txBody>
+                  <a:tcPr/>
+                </a:tc>
+                <a:tc>
+                  <a:txBody>
+                    <a:bodyPr/>
+                    <a:lstStyle/>
+                    <a:p>
+                      <a:r>
+                        <a:rPr lang="de-DE" dirty="0"/>
+                        <a:t>None</a:t>
+                      </a:r>
+                    </a:p>
+                  </a:txBody>
+                  <a:tcPr/>
+                </a:tc>
+                <a:extLst>
+                  <a:ext uri="{0D108BD9-81ED-4DB2-BD59-A6C34878D82A}">
+                    <a16:rowId xmlns:a16="http://schemas.microsoft.com/office/drawing/2014/main" val="2842263193"/>
+                  </a:ext>
+                </a:extLst>
+              </a:tr>
+              <a:tr h="1733383">
+                <a:tc>
+                  <a:txBody>
+                    <a:bodyPr/>
+                    <a:lstStyle/>
+                    <a:p>
+                      <a:r>
+                        <a:rPr lang="de-DE" dirty="0"/>
+                        <a:t>Customer Contact</a:t>
+                      </a:r>
+                    </a:p>
+                  </a:txBody>
+                  <a:tcPr/>
+                </a:tc>
+                <a:tc>
+                  <a:txBody>
+                    <a:bodyPr/>
+                    <a:lstStyle/>
+                    <a:p>
+                      <a:r>
+                        <a:rPr lang="de-DE" dirty="0"/>
+                        <a:t>Contact to </a:t>
+                      </a:r>
+                      <a:r>
+                        <a:rPr lang="de-DE" dirty="0" err="1"/>
+                        <a:t>the</a:t>
+                      </a:r>
+                      <a:r>
+                        <a:rPr lang="de-DE" dirty="0"/>
+                        <a:t> Customer </a:t>
+                      </a:r>
+                      <a:r>
+                        <a:rPr lang="de-DE" dirty="0" err="1"/>
+                        <a:t>regarding</a:t>
+                      </a:r>
+                      <a:r>
+                        <a:rPr lang="de-DE" dirty="0"/>
+                        <a:t> </a:t>
+                      </a:r>
+                      <a:r>
+                        <a:rPr lang="de-DE" dirty="0" err="1"/>
+                        <a:t>requirements</a:t>
+                      </a:r>
+                      <a:r>
+                        <a:rPr lang="de-DE" dirty="0"/>
+                        <a:t> and </a:t>
+                      </a:r>
+                      <a:r>
+                        <a:rPr lang="de-DE" dirty="0" err="1"/>
+                        <a:t>questions</a:t>
+                      </a:r>
+                      <a:endParaRPr lang="de-DE" dirty="0"/>
+                    </a:p>
+                    <a:p>
+                      <a:endParaRPr lang="de-DE" dirty="0"/>
+                    </a:p>
+                    <a:p>
+                      <a:r>
+                        <a:rPr lang="de-DE" dirty="0"/>
+                        <a:t>Mailperson</a:t>
+                      </a:r>
+                    </a:p>
+                  </a:txBody>
+                  <a:tcPr/>
+                </a:tc>
+                <a:tc>
+                  <a:txBody>
+                    <a:bodyPr/>
+                    <a:lstStyle/>
+                    <a:p>
+                      <a:r>
+                        <a:rPr lang="de-DE" dirty="0"/>
+                        <a:t>Andreas </a:t>
+                      </a:r>
+                      <a:r>
+                        <a:rPr lang="de-DE" dirty="0" err="1"/>
+                        <a:t>Mäkilä</a:t>
+                      </a:r>
+                      <a:endParaRPr lang="de-DE" dirty="0"/>
+                    </a:p>
+                  </a:txBody>
+                  <a:tcPr/>
+                </a:tc>
+                <a:tc>
+                  <a:txBody>
+                    <a:bodyPr/>
+                    <a:lstStyle/>
+                    <a:p>
+                      <a:r>
+                        <a:rPr lang="de-DE" dirty="0"/>
+                        <a:t>None</a:t>
+                      </a:r>
+                    </a:p>
+                  </a:txBody>
+                  <a:tcPr/>
+                </a:tc>
+                <a:extLst>
+                  <a:ext uri="{0D108BD9-81ED-4DB2-BD59-A6C34878D82A}">
+                    <a16:rowId xmlns:a16="http://schemas.microsoft.com/office/drawing/2014/main" val="244126930"/>
+                  </a:ext>
+                </a:extLst>
+              </a:tr>
+              <a:tr h="702983">
+                <a:tc>
+                  <a:txBody>
+                    <a:bodyPr/>
+                    <a:lstStyle/>
+                    <a:p>
+                      <a:r>
+                        <a:rPr lang="de-DE" dirty="0"/>
+                        <a:t>Developer</a:t>
+                      </a:r>
+                    </a:p>
+                  </a:txBody>
+                  <a:tcPr/>
+                </a:tc>
+                <a:tc>
+                  <a:txBody>
+                    <a:bodyPr/>
+                    <a:lstStyle/>
+                    <a:p>
+                      <a:endParaRPr lang="de-DE" dirty="0"/>
+                    </a:p>
+                  </a:txBody>
+                  <a:tcPr/>
+                </a:tc>
+                <a:tc>
+                  <a:txBody>
+                    <a:bodyPr/>
+                    <a:lstStyle/>
+                    <a:p>
+                      <a:r>
+                        <a:rPr lang="de-DE" dirty="0" err="1"/>
+                        <a:t>Afram</a:t>
+                      </a:r>
+                      <a:r>
+                        <a:rPr lang="de-DE" dirty="0"/>
+                        <a:t> </a:t>
+                      </a:r>
+                      <a:r>
+                        <a:rPr lang="de-DE" dirty="0" err="1"/>
+                        <a:t>Afrem</a:t>
+                      </a:r>
+                      <a:endParaRPr lang="de-DE" dirty="0"/>
+                    </a:p>
+                  </a:txBody>
+                  <a:tcPr/>
+                </a:tc>
+                <a:tc>
+                  <a:txBody>
+                    <a:bodyPr/>
+                    <a:lstStyle/>
+                    <a:p>
+                      <a:r>
+                        <a:rPr lang="de-DE" dirty="0"/>
+                        <a:t>None</a:t>
+                      </a:r>
+                    </a:p>
+                  </a:txBody>
+                  <a:tcPr/>
+                </a:tc>
+                <a:extLst>
+                  <a:ext uri="{0D108BD9-81ED-4DB2-BD59-A6C34878D82A}">
+                    <a16:rowId xmlns:a16="http://schemas.microsoft.com/office/drawing/2014/main" val="697272931"/>
+                  </a:ext>
+                </a:extLst>
+              </a:tr>
+              <a:tr h="702983">
+                <a:tc>
+                  <a:txBody>
+                    <a:bodyPr/>
+                    <a:lstStyle/>
+                    <a:p>
+                      <a:r>
+                        <a:rPr lang="de-DE" dirty="0"/>
+                        <a:t>Developer</a:t>
+                      </a:r>
+                    </a:p>
+                  </a:txBody>
+                  <a:tcPr/>
+                </a:tc>
+                <a:tc>
+                  <a:txBody>
+                    <a:bodyPr/>
+                    <a:lstStyle/>
+                    <a:p>
+                      <a:endParaRPr lang="de-DE" dirty="0"/>
+                    </a:p>
+                  </a:txBody>
+                  <a:tcPr/>
+                </a:tc>
+                <a:tc>
+                  <a:txBody>
+                    <a:bodyPr/>
+                    <a:lstStyle/>
+                    <a:p>
+                      <a:r>
+                        <a:rPr lang="de-DE" dirty="0"/>
+                        <a:t>Victor Nicholas </a:t>
+                      </a:r>
+                      <a:r>
+                        <a:rPr lang="de-DE" dirty="0" err="1"/>
+                        <a:t>Ebirim</a:t>
+                      </a:r>
+                      <a:endParaRPr lang="de-DE" dirty="0"/>
+                    </a:p>
+                  </a:txBody>
+                  <a:tcPr/>
+                </a:tc>
+                <a:tc>
+                  <a:txBody>
+                    <a:bodyPr/>
+                    <a:lstStyle/>
+                    <a:p>
+                      <a:r>
+                        <a:rPr lang="de-DE" dirty="0"/>
+                        <a:t>None</a:t>
+                      </a:r>
+                    </a:p>
+                  </a:txBody>
+                  <a:tcPr/>
+                </a:tc>
+                <a:extLst>
+                  <a:ext uri="{0D108BD9-81ED-4DB2-BD59-A6C34878D82A}">
+                    <a16:rowId xmlns:a16="http://schemas.microsoft.com/office/drawing/2014/main" val="1937136231"/>
+                  </a:ext>
+                </a:extLst>
+              </a:tr>
+            </a:tbl>
+          </a:graphicData>
+        </a:graphic>
+      </p:graphicFrame>
+    </p:spTree>
+    <p:extLst>
+      <p:ext uri="{BB962C8B-B14F-4D97-AF65-F5344CB8AC3E}">
+        <p14:creationId xmlns:p14="http://schemas.microsoft.com/office/powerpoint/2010/main" val="951293189"/>
+      </p:ext>
+    </p:extLst>
+  </p:cSld>
+  <p:clrMapOvr>
+    <a:masterClrMapping/>
+  </p:clrMapOvr>
+</p:sld>
+</file>
+
+<file path=ppt/slides/slide6.xml><?xml version="1.0" encoding="utf-8"?>
+<p:sld xmlns:a="http://schemas.openxmlformats.org/drawingml/2006/main" xmlns:r="http://schemas.openxmlformats.org/officeDocument/2006/relationships" xmlns:p="http://schemas.openxmlformats.org/presentationml/2006/main">
+  <p:cSld>
+    <p:spTree>
+      <p:nvGrpSpPr>
+        <p:cNvPr id="1" name=""/>
+        <p:cNvGrpSpPr/>
+        <p:nvPr/>
+      </p:nvGrpSpPr>
+      <p:grpSpPr>
+        <a:xfrm>
+          <a:off x="0" y="0"/>
+          <a:ext cx="0" cy="0"/>
+          <a:chOff x="0" y="0"/>
+          <a:chExt cx="0" cy="0"/>
+        </a:xfrm>
+      </p:grpSpPr>
+      <p:sp>
+        <p:nvSpPr>
+          <p:cNvPr id="3" name="Platshållare för bildnummer 2"/>
+          <p:cNvSpPr>
+            <a:spLocks noGrp="1"/>
+          </p:cNvSpPr>
+          <p:nvPr>
+            <p:ph type="sldNum" sz="quarter" idx="12"/>
+          </p:nvPr>
+        </p:nvSpPr>
+        <p:spPr/>
+        <p:txBody>
+          <a:bodyPr/>
+          <a:lstStyle/>
+          <a:p>
+            <a:fld id="{E21FFC3D-594F-4CAE-AAA5-4C3555641468}" type="slidenum">
+              <a:rPr lang="sv-SE" smtClean="0"/>
+              <a:pPr/>
+              <a:t>6</a:t>
+            </a:fld>
+            <a:endParaRPr lang="sv-SE" dirty="0"/>
+          </a:p>
+        </p:txBody>
+      </p:sp>
+      <p:sp>
+        <p:nvSpPr>
+          <p:cNvPr id="2" name="Rubrik 1"/>
+          <p:cNvSpPr>
+            <a:spLocks noGrp="1"/>
+          </p:cNvSpPr>
+          <p:nvPr>
+            <p:ph type="title"/>
+          </p:nvPr>
+        </p:nvSpPr>
+        <p:spPr/>
+        <p:txBody>
+          <a:bodyPr/>
+          <a:lstStyle/>
+          <a:p>
+            <a:r>
+              <a:rPr lang="sv-SE" dirty="0">
+                <a:sym typeface="Arial" charset="0"/>
+              </a:rPr>
+              <a:t>Timeplan	</a:t>
+            </a:r>
+            <a:endParaRPr lang="sv-SE" dirty="0"/>
+          </a:p>
+        </p:txBody>
+      </p:sp>
+      <p:sp>
+        <p:nvSpPr>
+          <p:cNvPr id="4" name="Platshållare för text 3"/>
+          <p:cNvSpPr>
+            <a:spLocks noGrp="1"/>
+          </p:cNvSpPr>
+          <p:nvPr>
+            <p:ph idx="1"/>
+          </p:nvPr>
+        </p:nvSpPr>
+        <p:spPr/>
+        <p:txBody>
+          <a:bodyPr>
+            <a:normAutofit/>
+          </a:bodyPr>
+          <a:lstStyle/>
+          <a:p>
+            <a:r>
+              <a:rPr lang="sv-SE" dirty="0">
+                <a:sym typeface="Georgia" charset="0"/>
+              </a:rPr>
+              <a:t>See ProjectLibre</a:t>
+            </a:r>
+          </a:p>
+          <a:p>
+            <a:r>
+              <a:rPr lang="sv-SE" dirty="0">
+                <a:sym typeface="Georgia" charset="0"/>
+              </a:rPr>
+              <a:t>See Leantime</a:t>
+            </a:r>
+          </a:p>
+        </p:txBody>
+      </p:sp>
+    </p:spTree>
+    <p:extLst>
+      <p:ext uri="{BB962C8B-B14F-4D97-AF65-F5344CB8AC3E}">
+        <p14:creationId xmlns:p14="http://schemas.microsoft.com/office/powerpoint/2010/main" val="4067126415"/>
+      </p:ext>
+    </p:extLst>
+  </p:cSld>
+  <p:clrMapOvr>
+    <a:masterClrMapping/>
+  </p:clrMapOvr>
+</p:sld>
+</file>
+
+<file path=ppt/slides/slide7.xml><?xml version="1.0" encoding="utf-8"?>
+<p:sld xmlns:a="http://schemas.openxmlformats.org/drawingml/2006/main" xmlns:r="http://schemas.openxmlformats.org/officeDocument/2006/relationships" xmlns:p="http://schemas.openxmlformats.org/presentationml/2006/main">
+  <p:cSld>
+    <p:spTree>
+      <p:nvGrpSpPr>
+        <p:cNvPr id="1" name=""/>
+        <p:cNvGrpSpPr/>
+        <p:nvPr/>
+      </p:nvGrpSpPr>
+      <p:grpSpPr>
+        <a:xfrm>
+          <a:off x="0" y="0"/>
+          <a:ext cx="0" cy="0"/>
+          <a:chOff x="0" y="0"/>
+          <a:chExt cx="0" cy="0"/>
+        </a:xfrm>
+      </p:grpSpPr>
+      <p:sp>
+        <p:nvSpPr>
+          <p:cNvPr id="3" name="Platshållare för bildnummer 2"/>
+          <p:cNvSpPr>
+            <a:spLocks noGrp="1"/>
+          </p:cNvSpPr>
+          <p:nvPr>
+            <p:ph type="sldNum" sz="quarter" idx="12"/>
+          </p:nvPr>
+        </p:nvSpPr>
+        <p:spPr/>
+        <p:txBody>
+          <a:bodyPr/>
+          <a:lstStyle/>
+          <a:p>
+            <a:fld id="{E21FFC3D-594F-4CAE-AAA5-4C3555641468}" type="slidenum">
+              <a:rPr lang="sv-SE" smtClean="0"/>
+              <a:pPr/>
+              <a:t>7</a:t>
+            </a:fld>
+            <a:endParaRPr lang="sv-SE" dirty="0"/>
+          </a:p>
+        </p:txBody>
+      </p:sp>
+      <p:sp>
+        <p:nvSpPr>
+          <p:cNvPr id="2" name="Rubrik 1"/>
+          <p:cNvSpPr>
+            <a:spLocks noGrp="1"/>
+          </p:cNvSpPr>
+          <p:nvPr>
+            <p:ph type="title"/>
+          </p:nvPr>
+        </p:nvSpPr>
+        <p:spPr/>
+        <p:txBody>
+          <a:bodyPr/>
+          <a:lstStyle/>
+          <a:p>
+            <a:r>
+              <a:rPr lang="sv-SE" dirty="0">
+                <a:sym typeface="Arial" charset="0"/>
+              </a:rPr>
+              <a:t>Requirements Analysis	</a:t>
+            </a:r>
+            <a:endParaRPr lang="sv-SE" dirty="0"/>
+          </a:p>
+        </p:txBody>
+      </p:sp>
+      <p:sp>
+        <p:nvSpPr>
+          <p:cNvPr id="4" name="Platshållare för text 3"/>
+          <p:cNvSpPr>
+            <a:spLocks noGrp="1"/>
+          </p:cNvSpPr>
+          <p:nvPr>
+            <p:ph idx="1"/>
+          </p:nvPr>
+        </p:nvSpPr>
+        <p:spPr/>
+        <p:txBody>
+          <a:bodyPr>
+            <a:normAutofit/>
+          </a:bodyPr>
+          <a:lstStyle/>
+          <a:p>
+            <a:r>
+              <a:rPr lang="sv-SE" dirty="0">
+                <a:sym typeface="Georgia" charset="0"/>
+              </a:rPr>
+              <a:t>See OSRMTS</a:t>
+            </a:r>
+          </a:p>
+        </p:txBody>
+      </p:sp>
+    </p:spTree>
+    <p:extLst>
+      <p:ext uri="{BB962C8B-B14F-4D97-AF65-F5344CB8AC3E}">
+        <p14:creationId xmlns:p14="http://schemas.microsoft.com/office/powerpoint/2010/main" val="3958810295"/>
+      </p:ext>
+    </p:extLst>
+  </p:cSld>
+  <p:clrMapOvr>
+    <a:masterClrMapping/>
+  </p:clrMapOvr>
+</p:sld>
+</file>
+
+<file path=ppt/slides/slide8.xml><?xml version="1.0" encoding="utf-8"?>
+<p:sld xmlns:a="http://schemas.openxmlformats.org/drawingml/2006/main" xmlns:r="http://schemas.openxmlformats.org/officeDocument/2006/relationships" xmlns:p="http://schemas.openxmlformats.org/presentationml/2006/main">
+  <p:cSld>
+    <p:spTree>
+      <p:nvGrpSpPr>
+        <p:cNvPr id="1" name=""/>
+        <p:cNvGrpSpPr/>
+        <p:nvPr/>
+      </p:nvGrpSpPr>
+      <p:grpSpPr>
+        <a:xfrm>
+          <a:off x="0" y="0"/>
+          <a:ext cx="0" cy="0"/>
+          <a:chOff x="0" y="0"/>
+          <a:chExt cx="0" cy="0"/>
+        </a:xfrm>
+      </p:grpSpPr>
+      <p:sp>
+        <p:nvSpPr>
+          <p:cNvPr id="3" name="Platshållare för bildnummer 2"/>
+          <p:cNvSpPr>
+            <a:spLocks noGrp="1"/>
+          </p:cNvSpPr>
+          <p:nvPr>
+            <p:ph type="sldNum" sz="quarter" idx="12"/>
+          </p:nvPr>
+        </p:nvSpPr>
+        <p:spPr/>
+        <p:txBody>
+          <a:bodyPr/>
+          <a:lstStyle/>
+          <a:p>
+            <a:fld id="{E21FFC3D-594F-4CAE-AAA5-4C3555641468}" type="slidenum">
+              <a:rPr lang="sv-SE" smtClean="0"/>
+              <a:pPr/>
+              <a:t>8</a:t>
+            </a:fld>
+            <a:endParaRPr lang="sv-SE" dirty="0"/>
+          </a:p>
+        </p:txBody>
+      </p:sp>
+      <p:sp>
+        <p:nvSpPr>
+          <p:cNvPr id="2" name="Rubrik 1"/>
+          <p:cNvSpPr>
+            <a:spLocks noGrp="1"/>
+          </p:cNvSpPr>
+          <p:nvPr>
+            <p:ph type="title"/>
+          </p:nvPr>
+        </p:nvSpPr>
+        <p:spPr/>
+        <p:txBody>
+          <a:bodyPr/>
+          <a:lstStyle/>
+          <a:p>
+            <a:r>
+              <a:rPr lang="sv-SE" dirty="0">
+                <a:sym typeface="Arial" charset="0"/>
+              </a:rPr>
+              <a:t>Questions	</a:t>
+            </a:r>
+            <a:endParaRPr lang="sv-SE" dirty="0"/>
+          </a:p>
+        </p:txBody>
+      </p:sp>
+      <p:sp>
+        <p:nvSpPr>
+          <p:cNvPr id="4" name="Platshållare för text 3"/>
+          <p:cNvSpPr>
+            <a:spLocks noGrp="1"/>
+          </p:cNvSpPr>
+          <p:nvPr>
+            <p:ph idx="1"/>
+          </p:nvPr>
+        </p:nvSpPr>
+        <p:spPr/>
+        <p:txBody>
+          <a:bodyPr>
+            <a:normAutofit/>
+          </a:bodyPr>
+          <a:lstStyle/>
+          <a:p>
+            <a:r>
+              <a:rPr lang="sv-SE" dirty="0">
+                <a:sym typeface="Georgia" charset="0"/>
+              </a:rPr>
+              <a:t>Mailperson responsibility</a:t>
+            </a:r>
+          </a:p>
+          <a:p>
+            <a:r>
+              <a:rPr lang="sv-SE" dirty="0">
+                <a:sym typeface="Georgia" charset="0"/>
+              </a:rPr>
+              <a:t>API suggestions</a:t>
+            </a:r>
+          </a:p>
+        </p:txBody>
+      </p:sp>
+    </p:spTree>
+    <p:extLst>
+      <p:ext uri="{BB962C8B-B14F-4D97-AF65-F5344CB8AC3E}">
+        <p14:creationId xmlns:p14="http://schemas.microsoft.com/office/powerpoint/2010/main" val="1455605276"/>
       </p:ext>
     </p:extLst>
   </p:cSld>
@@ -11531,4 +13269,299 @@
     </a:ext>
   </a:extLst>
 </a:theme>
+</file>
+
+<file path=ppt/theme/theme2.xml><?xml version="1.0" encoding="utf-8"?>
+<a:theme xmlns:a="http://schemas.openxmlformats.org/drawingml/2006/main" name="Office">
+  <a:themeElements>
+    <a:clrScheme name="Office">
+      <a:dk1>
+        <a:sysClr val="windowText" lastClr="000000"/>
+      </a:dk1>
+      <a:lt1>
+        <a:sysClr val="window" lastClr="FFFFFF"/>
+      </a:lt1>
+      <a:dk2>
+        <a:srgbClr val="44546A"/>
+      </a:dk2>
+      <a:lt2>
+        <a:srgbClr val="E7E6E6"/>
+      </a:lt2>
+      <a:accent1>
+        <a:srgbClr val="4472C4"/>
+      </a:accent1>
+      <a:accent2>
+        <a:srgbClr val="ED7D31"/>
+      </a:accent2>
+      <a:accent3>
+        <a:srgbClr val="A5A5A5"/>
+      </a:accent3>
+      <a:accent4>
+        <a:srgbClr val="FFC000"/>
+      </a:accent4>
+      <a:accent5>
+        <a:srgbClr val="5B9BD5"/>
+      </a:accent5>
+      <a:accent6>
+        <a:srgbClr val="70AD47"/>
+      </a:accent6>
+      <a:hlink>
+        <a:srgbClr val="0563C1"/>
+      </a:hlink>
+      <a:folHlink>
+        <a:srgbClr val="954F72"/>
+      </a:folHlink>
+    </a:clrScheme>
+    <a:fontScheme name="Office">
+      <a:majorFont>
+        <a:latin typeface="Calibri Light" panose="020F0302020204030204"/>
+        <a:ea typeface=""/>
+        <a:cs typeface=""/>
+        <a:font script="Jpan" typeface="游ゴシック Light"/>
+        <a:font script="Hang" typeface="맑은 고딕"/>
+        <a:font script="Hans" typeface="等线 Light"/>
+        <a:font script="Hant" typeface="新細明體"/>
+        <a:font script="Arab" typeface="Times New Roman"/>
+        <a:font script="Hebr" typeface="Times New Roman"/>
+        <a:font script="Thai" typeface="Angsana New"/>
+        <a:font script="Ethi" typeface="Nyala"/>
+        <a:font script="Beng" typeface="Vrinda"/>
+        <a:font script="Gujr" typeface="Shruti"/>
+        <a:font script="Khmr" typeface="MoolBoran"/>
+        <a:font script="Knda" typeface="Tunga"/>
+        <a:font script="Guru" typeface="Raavi"/>
+        <a:font script="Cans" typeface="Euphemia"/>
+        <a:font script="Cher" typeface="Plantagenet Cherokee"/>
+        <a:font script="Yiii" typeface="Microsoft Yi Baiti"/>
+        <a:font script="Tibt" typeface="Microsoft Himalaya"/>
+        <a:font script="Thaa" typeface="MV Boli"/>
+        <a:font script="Deva" typeface="Mangal"/>
+        <a:font script="Telu" typeface="Gautami"/>
+        <a:font script="Taml" typeface="Latha"/>
+        <a:font script="Syrc" typeface="Estrangelo Edessa"/>
+        <a:font script="Orya" typeface="Kalinga"/>
+        <a:font script="Mlym" typeface="Kartika"/>
+        <a:font script="Laoo" typeface="DokChampa"/>
+        <a:font script="Sinh" typeface="Iskoola Pota"/>
+        <a:font script="Mong" typeface="Mongolian Baiti"/>
+        <a:font script="Viet" typeface="Times New Roman"/>
+        <a:font script="Uigh" typeface="Microsoft Uighur"/>
+        <a:font script="Geor" typeface="Sylfaen"/>
+        <a:font script="Armn" typeface="Arial"/>
+        <a:font script="Bugi" typeface="Leelawadee UI"/>
+        <a:font script="Bopo" typeface="Microsoft JhengHei"/>
+        <a:font script="Java" typeface="Javanese Text"/>
+        <a:font script="Lisu" typeface="Segoe UI"/>
+        <a:font script="Mymr" typeface="Myanmar Text"/>
+        <a:font script="Nkoo" typeface="Ebrima"/>
+        <a:font script="Olck" typeface="Nirmala UI"/>
+        <a:font script="Osma" typeface="Ebrima"/>
+        <a:font script="Phag" typeface="Phagspa"/>
+        <a:font script="Syrn" typeface="Estrangelo Edessa"/>
+        <a:font script="Syrj" typeface="Estrangelo Edessa"/>
+        <a:font script="Syre" typeface="Estrangelo Edessa"/>
+        <a:font script="Sora" typeface="Nirmala UI"/>
+        <a:font script="Tale" typeface="Microsoft Tai Le"/>
+        <a:font script="Talu" typeface="Microsoft New Tai Lue"/>
+        <a:font script="Tfng" typeface="Ebrima"/>
+      </a:majorFont>
+      <a:minorFont>
+        <a:latin typeface="Calibri" panose="020F0502020204030204"/>
+        <a:ea typeface=""/>
+        <a:cs typeface=""/>
+        <a:font script="Jpan" typeface="游ゴシック"/>
+        <a:font script="Hang" typeface="맑은 고딕"/>
+        <a:font script="Hans" typeface="等线"/>
+        <a:font script="Hant" typeface="新細明體"/>
+        <a:font script="Arab" typeface="Arial"/>
+        <a:font script="Hebr" typeface="Arial"/>
+        <a:font script="Thai" typeface="Cordia New"/>
+        <a:font script="Ethi" typeface="Nyala"/>
+        <a:font script="Beng" typeface="Vrinda"/>
+        <a:font script="Gujr" typeface="Shruti"/>
+        <a:font script="Khmr" typeface="DaunPenh"/>
+        <a:font script="Knda" typeface="Tunga"/>
+        <a:font script="Guru" typeface="Raavi"/>
+        <a:font script="Cans" typeface="Euphemia"/>
+        <a:font script="Cher" typeface="Plantagenet Cherokee"/>
+        <a:font script="Yiii" typeface="Microsoft Yi Baiti"/>
+        <a:font script="Tibt" typeface="Microsoft Himalaya"/>
+        <a:font script="Thaa" typeface="MV Boli"/>
+        <a:font script="Deva" typeface="Mangal"/>
+        <a:font script="Telu" typeface="Gautami"/>
+        <a:font script="Taml" typeface="Latha"/>
+        <a:font script="Syrc" typeface="Estrangelo Edessa"/>
+        <a:font script="Orya" typeface="Kalinga"/>
+        <a:font script="Mlym" typeface="Kartika"/>
+        <a:font script="Laoo" typeface="DokChampa"/>
+        <a:font script="Sinh" typeface="Iskoola Pota"/>
+        <a:font script="Mong" typeface="Mongolian Baiti"/>
+        <a:font script="Viet" typeface="Arial"/>
+        <a:font script="Uigh" typeface="Microsoft Uighur"/>
+        <a:font script="Geor" typeface="Sylfaen"/>
+        <a:font script="Armn" typeface="Arial"/>
+        <a:font script="Bugi" typeface="Leelawadee UI"/>
+        <a:font script="Bopo" typeface="Microsoft JhengHei"/>
+        <a:font script="Java" typeface="Javanese Text"/>
+        <a:font script="Lisu" typeface="Segoe UI"/>
+        <a:font script="Mymr" typeface="Myanmar Text"/>
+        <a:font script="Nkoo" typeface="Ebrima"/>
+        <a:font script="Olck" typeface="Nirmala UI"/>
+        <a:font script="Osma" typeface="Ebrima"/>
+        <a:font script="Phag" typeface="Phagspa"/>
+        <a:font script="Syrn" typeface="Estrangelo Edessa"/>
+        <a:font script="Syrj" typeface="Estrangelo Edessa"/>
+        <a:font script="Syre" typeface="Estrangelo Edessa"/>
+        <a:font script="Sora" typeface="Nirmala UI"/>
+        <a:font script="Tale" typeface="Microsoft Tai Le"/>
+        <a:font script="Talu" typeface="Microsoft New Tai Lue"/>
+        <a:font script="Tfng" typeface="Ebrima"/>
+      </a:minorFont>
+    </a:fontScheme>
+    <a:fmtScheme name="Office">
+      <a:fillStyleLst>
+        <a:solidFill>
+          <a:schemeClr val="phClr"/>
+        </a:solidFill>
+        <a:gradFill rotWithShape="1">
+          <a:gsLst>
+            <a:gs pos="0">
+              <a:schemeClr val="phClr">
+                <a:lumMod val="110000"/>
+                <a:satMod val="105000"/>
+                <a:tint val="67000"/>
+              </a:schemeClr>
+            </a:gs>
+            <a:gs pos="50000">
+              <a:schemeClr val="phClr">
+                <a:lumMod val="105000"/>
+                <a:satMod val="103000"/>
+                <a:tint val="73000"/>
+              </a:schemeClr>
+            </a:gs>
+            <a:gs pos="100000">
+              <a:schemeClr val="phClr">
+                <a:lumMod val="105000"/>
+                <a:satMod val="109000"/>
+                <a:tint val="81000"/>
+              </a:schemeClr>
+            </a:gs>
+          </a:gsLst>
+          <a:lin ang="5400000" scaled="0"/>
+        </a:gradFill>
+        <a:gradFill rotWithShape="1">
+          <a:gsLst>
+            <a:gs pos="0">
+              <a:schemeClr val="phClr">
+                <a:satMod val="103000"/>
+                <a:lumMod val="102000"/>
+                <a:tint val="94000"/>
+              </a:schemeClr>
+            </a:gs>
+            <a:gs pos="50000">
+              <a:schemeClr val="phClr">
+                <a:satMod val="110000"/>
+                <a:lumMod val="100000"/>
+                <a:shade val="100000"/>
+              </a:schemeClr>
+            </a:gs>
+            <a:gs pos="100000">
+              <a:schemeClr val="phClr">
+                <a:lumMod val="99000"/>
+                <a:satMod val="120000"/>
+                <a:shade val="78000"/>
+              </a:schemeClr>
+            </a:gs>
+          </a:gsLst>
+          <a:lin ang="5400000" scaled="0"/>
+        </a:gradFill>
+      </a:fillStyleLst>
+      <a:lnStyleLst>
+        <a:ln w="6350" cap="flat" cmpd="sng" algn="ctr">
+          <a:solidFill>
+            <a:schemeClr val="phClr"/>
+          </a:solidFill>
+          <a:prstDash val="solid"/>
+          <a:miter lim="800000"/>
+        </a:ln>
+        <a:ln w="12700" cap="flat" cmpd="sng" algn="ctr">
+          <a:solidFill>
+            <a:schemeClr val="phClr"/>
+          </a:solidFill>
+          <a:prstDash val="solid"/>
+          <a:miter lim="800000"/>
+        </a:ln>
+        <a:ln w="19050" cap="flat" cmpd="sng" algn="ctr">
+          <a:solidFill>
+            <a:schemeClr val="phClr"/>
+          </a:solidFill>
+          <a:prstDash val="solid"/>
+          <a:miter lim="800000"/>
+        </a:ln>
+      </a:lnStyleLst>
+      <a:effectStyleLst>
+        <a:effectStyle>
+          <a:effectLst/>
+        </a:effectStyle>
+        <a:effectStyle>
+          <a:effectLst/>
+        </a:effectStyle>
+        <a:effectStyle>
+          <a:effectLst>
+            <a:outerShdw blurRad="57150" dist="19050" dir="5400000" algn="ctr" rotWithShape="0">
+              <a:srgbClr val="000000">
+                <a:alpha val="63000"/>
+              </a:srgbClr>
+            </a:outerShdw>
+          </a:effectLst>
+        </a:effectStyle>
+      </a:effectStyleLst>
+      <a:bgFillStyleLst>
+        <a:solidFill>
+          <a:schemeClr val="phClr"/>
+        </a:solidFill>
+        <a:solidFill>
+          <a:schemeClr val="phClr">
+            <a:tint val="95000"/>
+            <a:satMod val="170000"/>
+          </a:schemeClr>
+        </a:solidFill>
+        <a:gradFill rotWithShape="1">
+          <a:gsLst>
+            <a:gs pos="0">
+              <a:schemeClr val="phClr">
+                <a:tint val="93000"/>
+                <a:satMod val="150000"/>
+                <a:shade val="98000"/>
+                <a:lumMod val="102000"/>
+              </a:schemeClr>
+            </a:gs>
+            <a:gs pos="50000">
+              <a:schemeClr val="phClr">
+                <a:tint val="98000"/>
+                <a:satMod val="130000"/>
+                <a:shade val="90000"/>
+                <a:lumMod val="103000"/>
+              </a:schemeClr>
+            </a:gs>
+            <a:gs pos="100000">
+              <a:schemeClr val="phClr">
+                <a:shade val="63000"/>
+                <a:satMod val="120000"/>
+              </a:schemeClr>
+            </a:gs>
+          </a:gsLst>
+          <a:lin ang="5400000" scaled="0"/>
+        </a:gradFill>
+      </a:bgFillStyleLst>
+    </a:fmtScheme>
+  </a:themeElements>
+  <a:objectDefaults/>
+  <a:extraClrSchemeLst/>
+  <a:extLst>
+    <a:ext uri="{05A4C25C-085E-4340-85A3-A5531E510DB2}">
+      <thm15:themeFamily xmlns:thm15="http://schemas.microsoft.com/office/thememl/2012/main" name="Office Theme" id="{62F939B6-93AF-4DB8-9C6B-D6C7DFDC589F}" vid="{4A3C46E8-61CC-4603-A589-7422A47A8E4A}"/>
+    </a:ext>
+  </a:extLst>
+</a:theme>
 </file>
--- a/04_Presentations/01_Supervision_Meetings/01_Supervision_Meeting.pptx
+++ b/04_Presentations/01_Supervision_Meetings/01_Supervision_Meeting.pptx
@@ -11952,10 +11952,15 @@
             <p:ph idx="1"/>
           </p:nvPr>
         </p:nvSpPr>
-        <p:spPr/>
+        <p:spPr>
+          <a:xfrm>
+            <a:off x="1103449" y="1783357"/>
+            <a:ext cx="9985107" cy="4655505"/>
+          </a:xfrm>
+        </p:spPr>
         <p:txBody>
           <a:bodyPr>
-            <a:normAutofit fontScale="55000" lnSpcReduction="20000"/>
+            <a:normAutofit fontScale="62500" lnSpcReduction="20000"/>
           </a:bodyPr>
           <a:lstStyle/>
           <a:p>
@@ -11990,7 +11995,16 @@
               <a:rPr lang="sv-SE" dirty="0">
                 <a:sym typeface="Georgia" charset="0"/>
               </a:rPr>
-              <a:t>ProjectLibre</a:t>
+              <a:t>(Trello)</a:t>
+            </a:r>
+          </a:p>
+          <a:p>
+            <a:pPr lvl="1"/>
+            <a:r>
+              <a:rPr lang="sv-SE" dirty="0">
+                <a:sym typeface="Georgia" charset="0"/>
+              </a:rPr>
+              <a:t>(ProjectLibre)</a:t>
             </a:r>
           </a:p>
           <a:p>
@@ -12076,7 +12090,7 @@
               <a:rPr lang="sv-SE" dirty="0">
                 <a:sym typeface="Georgia" charset="0"/>
               </a:rPr>
-              <a:t>Local Computer of Andreas setup with RDP</a:t>
+              <a:t>Local Computer of Andreas -&gt; setup with RDP</a:t>
             </a:r>
           </a:p>
           <a:p>

--- a/04_Presentations/01_Supervision_Meetings/01_Supervision_Meeting.pptx
+++ b/04_Presentations/01_Supervision_Meetings/01_Supervision_Meeting.pptx
@@ -7277,7 +7277,7 @@
           <a:p>
             <a:fld id="{D19A7625-F502-4886-BF38-9656E041D6F1}" type="datetimeFigureOut">
               <a:rPr lang="de-DE" smtClean="0"/>
-              <a:t>12.11.2020</a:t>
+              <a:t>13.11.2020</a:t>
             </a:fld>
             <a:endParaRPr lang="de-DE"/>
           </a:p>
@@ -7934,7 +7934,7 @@
           <a:p>
             <a:fld id="{2F195790-E85C-44D7-BD64-5A61BE258BB8}" type="datetimeFigureOut">
               <a:rPr lang="de-DE" smtClean="0"/>
-              <a:t>12.11.2020</a:t>
+              <a:t>13.11.2020</a:t>
             </a:fld>
             <a:endParaRPr lang="de-DE"/>
           </a:p>
@@ -8132,7 +8132,7 @@
           <a:p>
             <a:fld id="{2F195790-E85C-44D7-BD64-5A61BE258BB8}" type="datetimeFigureOut">
               <a:rPr lang="de-DE" smtClean="0"/>
-              <a:t>12.11.2020</a:t>
+              <a:t>13.11.2020</a:t>
             </a:fld>
             <a:endParaRPr lang="de-DE"/>
           </a:p>
@@ -8340,7 +8340,7 @@
           <a:p>
             <a:fld id="{2F195790-E85C-44D7-BD64-5A61BE258BB8}" type="datetimeFigureOut">
               <a:rPr lang="de-DE" smtClean="0"/>
-              <a:t>12.11.2020</a:t>
+              <a:t>13.11.2020</a:t>
             </a:fld>
             <a:endParaRPr lang="de-DE"/>
           </a:p>
@@ -8868,7 +8868,7 @@
           <a:p>
             <a:fld id="{2F195790-E85C-44D7-BD64-5A61BE258BB8}" type="datetimeFigureOut">
               <a:rPr lang="de-DE" smtClean="0"/>
-              <a:t>12.11.2020</a:t>
+              <a:t>13.11.2020</a:t>
             </a:fld>
             <a:endParaRPr lang="de-DE"/>
           </a:p>
@@ -9143,7 +9143,7 @@
           <a:p>
             <a:fld id="{2F195790-E85C-44D7-BD64-5A61BE258BB8}" type="datetimeFigureOut">
               <a:rPr lang="de-DE" smtClean="0"/>
-              <a:t>12.11.2020</a:t>
+              <a:t>13.11.2020</a:t>
             </a:fld>
             <a:endParaRPr lang="de-DE"/>
           </a:p>
@@ -9408,7 +9408,7 @@
           <a:p>
             <a:fld id="{2F195790-E85C-44D7-BD64-5A61BE258BB8}" type="datetimeFigureOut">
               <a:rPr lang="de-DE" smtClean="0"/>
-              <a:t>12.11.2020</a:t>
+              <a:t>13.11.2020</a:t>
             </a:fld>
             <a:endParaRPr lang="de-DE"/>
           </a:p>
@@ -9820,7 +9820,7 @@
           <a:p>
             <a:fld id="{2F195790-E85C-44D7-BD64-5A61BE258BB8}" type="datetimeFigureOut">
               <a:rPr lang="de-DE" smtClean="0"/>
-              <a:t>12.11.2020</a:t>
+              <a:t>13.11.2020</a:t>
             </a:fld>
             <a:endParaRPr lang="de-DE"/>
           </a:p>
@@ -9961,7 +9961,7 @@
           <a:p>
             <a:fld id="{2F195790-E85C-44D7-BD64-5A61BE258BB8}" type="datetimeFigureOut">
               <a:rPr lang="de-DE" smtClean="0"/>
-              <a:t>12.11.2020</a:t>
+              <a:t>13.11.2020</a:t>
             </a:fld>
             <a:endParaRPr lang="de-DE"/>
           </a:p>
@@ -10074,7 +10074,7 @@
           <a:p>
             <a:fld id="{2F195790-E85C-44D7-BD64-5A61BE258BB8}" type="datetimeFigureOut">
               <a:rPr lang="de-DE" smtClean="0"/>
-              <a:t>12.11.2020</a:t>
+              <a:t>13.11.2020</a:t>
             </a:fld>
             <a:endParaRPr lang="de-DE"/>
           </a:p>
@@ -10385,7 +10385,7 @@
           <a:p>
             <a:fld id="{2F195790-E85C-44D7-BD64-5A61BE258BB8}" type="datetimeFigureOut">
               <a:rPr lang="de-DE" smtClean="0"/>
-              <a:t>12.11.2020</a:t>
+              <a:t>13.11.2020</a:t>
             </a:fld>
             <a:endParaRPr lang="de-DE"/>
           </a:p>
@@ -10673,7 +10673,7 @@
           <a:p>
             <a:fld id="{2F195790-E85C-44D7-BD64-5A61BE258BB8}" type="datetimeFigureOut">
               <a:rPr lang="de-DE" smtClean="0"/>
-              <a:t>12.11.2020</a:t>
+              <a:t>13.11.2020</a:t>
             </a:fld>
             <a:endParaRPr lang="de-DE"/>
           </a:p>
@@ -10914,7 +10914,7 @@
           <a:p>
             <a:fld id="{2F195790-E85C-44D7-BD64-5A61BE258BB8}" type="datetimeFigureOut">
               <a:rPr lang="de-DE" smtClean="0"/>
-              <a:t>12.11.2020</a:t>
+              <a:t>13.11.2020</a:t>
             </a:fld>
             <a:endParaRPr lang="de-DE"/>
           </a:p>
@@ -12746,7 +12746,7 @@
               <a:rPr lang="sv-SE" dirty="0">
                 <a:sym typeface="Georgia" charset="0"/>
               </a:rPr>
-              <a:t>See ProjectLibre</a:t>
+              <a:t>(See ProjectLibre)</a:t>
             </a:r>
           </a:p>
           <a:p>
@@ -12969,11 +12969,14 @@
           </a:p>
           <a:p>
             <a:r>
-              <a:rPr lang="sv-SE" dirty="0">
+              <a:rPr lang="sv-SE">
                 <a:sym typeface="Georgia" charset="0"/>
               </a:rPr>
-              <a:t>API suggestions</a:t>
+              <a:t>API suggestions how detailed?</a:t>
             </a:r>
+            <a:endParaRPr lang="sv-SE" dirty="0">
+              <a:sym typeface="Georgia" charset="0"/>
+            </a:endParaRPr>
           </a:p>
         </p:txBody>
       </p:sp>

--- a/04_Presentations/01_Supervision_Meetings/01_Supervision_Meeting.pptx
+++ b/04_Presentations/01_Supervision_Meetings/01_Supervision_Meeting.pptx
@@ -11960,7 +11960,7 @@
         </p:spPr>
         <p:txBody>
           <a:bodyPr>
-            <a:normAutofit fontScale="62500" lnSpcReduction="20000"/>
+            <a:normAutofit fontScale="55000" lnSpcReduction="20000"/>
           </a:bodyPr>
           <a:lstStyle/>
           <a:p>
@@ -12099,6 +12099,15 @@
                 <a:sym typeface="Georgia" charset="0"/>
               </a:rPr>
               <a:t>Communication</a:t>
+            </a:r>
+          </a:p>
+          <a:p>
+            <a:pPr lvl="1"/>
+            <a:r>
+              <a:rPr lang="sv-SE" dirty="0">
+                <a:sym typeface="Georgia" charset="0"/>
+              </a:rPr>
+              <a:t>Virtual Whiteboard: Mural</a:t>
             </a:r>
           </a:p>
           <a:p>
@@ -12964,15 +12973,21 @@
               <a:rPr lang="sv-SE" dirty="0">
                 <a:sym typeface="Georgia" charset="0"/>
               </a:rPr>
-              <a:t>Mailperson responsibility</a:t>
+              <a:t>Mailperson responsibility -&gt; Everything over Andreas</a:t>
             </a:r>
           </a:p>
           <a:p>
+            <a:r>
+              <a:rPr lang="sv-SE" dirty="0">
+                <a:sym typeface="Georgia" charset="0"/>
+              </a:rPr>
+              <a:t>API suggestions how detailed? </a:t>
+            </a:r>
             <a:r>
               <a:rPr lang="sv-SE">
                 <a:sym typeface="Georgia" charset="0"/>
               </a:rPr>
-              <a:t>API suggestions how detailed?</a:t>
+              <a:t>-&gt; Well receive template over E-Mail</a:t>
             </a:r>
             <a:endParaRPr lang="sv-SE" dirty="0">
               <a:sym typeface="Georgia" charset="0"/>
